--- a/RoboMarine Docs/Robot Idea 1 Program flow.pptx
+++ b/RoboMarine Docs/Robot Idea 1 Program flow.pptx
@@ -105,6 +105,11 @@
       </a:defRPr>
     </a:lvl9pPr>
   </p:defaultTextStyle>
+  <p:extLst>
+    <p:ext uri="{EFAFB233-063F-42B5-8137-9DF3F51BA10A}">
+      <p15:sldGuideLst xmlns:p15="http://schemas.microsoft.com/office/powerpoint/2012/main"/>
+    </p:ext>
+  </p:extLst>
 </p:presentation>
 </file>
 
@@ -257,7 +262,7 @@
           <a:p>
             <a:fld id="{2F0B1FA7-4854-4480-B202-97474C834B3E}" type="datetimeFigureOut">
               <a:rPr lang="en-IN" smtClean="0"/>
-              <a:t>04-07-2023</a:t>
+              <a:t>06-09-2023</a:t>
             </a:fld>
             <a:endParaRPr lang="en-IN"/>
           </a:p>
@@ -457,7 +462,7 @@
           <a:p>
             <a:fld id="{2F0B1FA7-4854-4480-B202-97474C834B3E}" type="datetimeFigureOut">
               <a:rPr lang="en-IN" smtClean="0"/>
-              <a:t>04-07-2023</a:t>
+              <a:t>06-09-2023</a:t>
             </a:fld>
             <a:endParaRPr lang="en-IN"/>
           </a:p>
@@ -667,7 +672,7 @@
           <a:p>
             <a:fld id="{2F0B1FA7-4854-4480-B202-97474C834B3E}" type="datetimeFigureOut">
               <a:rPr lang="en-IN" smtClean="0"/>
-              <a:t>04-07-2023</a:t>
+              <a:t>06-09-2023</a:t>
             </a:fld>
             <a:endParaRPr lang="en-IN"/>
           </a:p>
@@ -867,7 +872,7 @@
           <a:p>
             <a:fld id="{2F0B1FA7-4854-4480-B202-97474C834B3E}" type="datetimeFigureOut">
               <a:rPr lang="en-IN" smtClean="0"/>
-              <a:t>04-07-2023</a:t>
+              <a:t>06-09-2023</a:t>
             </a:fld>
             <a:endParaRPr lang="en-IN"/>
           </a:p>
@@ -1143,7 +1148,7 @@
           <a:p>
             <a:fld id="{2F0B1FA7-4854-4480-B202-97474C834B3E}" type="datetimeFigureOut">
               <a:rPr lang="en-IN" smtClean="0"/>
-              <a:t>04-07-2023</a:t>
+              <a:t>06-09-2023</a:t>
             </a:fld>
             <a:endParaRPr lang="en-IN"/>
           </a:p>
@@ -1411,7 +1416,7 @@
           <a:p>
             <a:fld id="{2F0B1FA7-4854-4480-B202-97474C834B3E}" type="datetimeFigureOut">
               <a:rPr lang="en-IN" smtClean="0"/>
-              <a:t>04-07-2023</a:t>
+              <a:t>06-09-2023</a:t>
             </a:fld>
             <a:endParaRPr lang="en-IN"/>
           </a:p>
@@ -1826,7 +1831,7 @@
           <a:p>
             <a:fld id="{2F0B1FA7-4854-4480-B202-97474C834B3E}" type="datetimeFigureOut">
               <a:rPr lang="en-IN" smtClean="0"/>
-              <a:t>04-07-2023</a:t>
+              <a:t>06-09-2023</a:t>
             </a:fld>
             <a:endParaRPr lang="en-IN"/>
           </a:p>
@@ -1968,7 +1973,7 @@
           <a:p>
             <a:fld id="{2F0B1FA7-4854-4480-B202-97474C834B3E}" type="datetimeFigureOut">
               <a:rPr lang="en-IN" smtClean="0"/>
-              <a:t>04-07-2023</a:t>
+              <a:t>06-09-2023</a:t>
             </a:fld>
             <a:endParaRPr lang="en-IN"/>
           </a:p>
@@ -2081,7 +2086,7 @@
           <a:p>
             <a:fld id="{2F0B1FA7-4854-4480-B202-97474C834B3E}" type="datetimeFigureOut">
               <a:rPr lang="en-IN" smtClean="0"/>
-              <a:t>04-07-2023</a:t>
+              <a:t>06-09-2023</a:t>
             </a:fld>
             <a:endParaRPr lang="en-IN"/>
           </a:p>
@@ -2394,7 +2399,7 @@
           <a:p>
             <a:fld id="{2F0B1FA7-4854-4480-B202-97474C834B3E}" type="datetimeFigureOut">
               <a:rPr lang="en-IN" smtClean="0"/>
-              <a:t>04-07-2023</a:t>
+              <a:t>06-09-2023</a:t>
             </a:fld>
             <a:endParaRPr lang="en-IN"/>
           </a:p>
@@ -2683,7 +2688,7 @@
           <a:p>
             <a:fld id="{2F0B1FA7-4854-4480-B202-97474C834B3E}" type="datetimeFigureOut">
               <a:rPr lang="en-IN" smtClean="0"/>
-              <a:t>04-07-2023</a:t>
+              <a:t>06-09-2023</a:t>
             </a:fld>
             <a:endParaRPr lang="en-IN"/>
           </a:p>
@@ -2926,7 +2931,7 @@
           <a:p>
             <a:fld id="{2F0B1FA7-4854-4480-B202-97474C834B3E}" type="datetimeFigureOut">
               <a:rPr lang="en-IN" smtClean="0"/>
-              <a:t>04-07-2023</a:t>
+              <a:t>06-09-2023</a:t>
             </a:fld>
             <a:endParaRPr lang="en-IN"/>
           </a:p>
@@ -3343,1623 +3348,6 @@
           <a:chExt cx="0" cy="0"/>
         </a:xfrm>
       </p:grpSpPr>
-      <p:grpSp>
-        <p:nvGrpSpPr>
-          <p:cNvPr id="120" name="Group 119">
-            <a:extLst>
-              <a:ext uri="{FF2B5EF4-FFF2-40B4-BE49-F238E27FC236}">
-                <a16:creationId xmlns:a16="http://schemas.microsoft.com/office/drawing/2014/main" id="{88881CFD-5C6C-5D6C-1605-F12ED5310A84}"/>
-              </a:ext>
-            </a:extLst>
-          </p:cNvPr>
-          <p:cNvGrpSpPr/>
-          <p:nvPr/>
-        </p:nvGrpSpPr>
-        <p:grpSpPr>
-          <a:xfrm>
-            <a:off x="1201782" y="426719"/>
-            <a:ext cx="6529248" cy="5791200"/>
-            <a:chOff x="2926080" y="461553"/>
-            <a:chExt cx="6529248" cy="5791200"/>
-          </a:xfrm>
-        </p:grpSpPr>
-        <p:sp>
-          <p:nvSpPr>
-            <p:cNvPr id="34" name="Flowchart: Terminator 33">
-              <a:extLst>
-                <a:ext uri="{FF2B5EF4-FFF2-40B4-BE49-F238E27FC236}">
-                  <a16:creationId xmlns:a16="http://schemas.microsoft.com/office/drawing/2014/main" id="{147A1D5C-C7D4-5591-1DB2-9A166AEE6CF2}"/>
-                </a:ext>
-              </a:extLst>
-            </p:cNvPr>
-            <p:cNvSpPr/>
-            <p:nvPr/>
-          </p:nvSpPr>
-          <p:spPr>
-            <a:xfrm>
-              <a:off x="5638800" y="461553"/>
-              <a:ext cx="914400" cy="301752"/>
-            </a:xfrm>
-            <a:prstGeom prst="flowChartTerminator">
-              <a:avLst/>
-            </a:prstGeom>
-            <a:noFill/>
-            <a:ln w="19050">
-              <a:solidFill>
-                <a:schemeClr val="tx1"/>
-              </a:solidFill>
-            </a:ln>
-          </p:spPr>
-          <p:style>
-            <a:lnRef idx="2">
-              <a:schemeClr val="accent1">
-                <a:shade val="15000"/>
-              </a:schemeClr>
-            </a:lnRef>
-            <a:fillRef idx="1">
-              <a:schemeClr val="accent1"/>
-            </a:fillRef>
-            <a:effectRef idx="0">
-              <a:schemeClr val="accent1"/>
-            </a:effectRef>
-            <a:fontRef idx="minor">
-              <a:schemeClr val="lt1"/>
-            </a:fontRef>
-          </p:style>
-          <p:txBody>
-            <a:bodyPr rtlCol="0" anchor="ctr"/>
-            <a:lstStyle/>
-            <a:p>
-              <a:pPr algn="ctr"/>
-              <a:r>
-                <a:rPr lang="en-US" dirty="0">
-                  <a:solidFill>
-                    <a:schemeClr val="tx1"/>
-                  </a:solidFill>
-                </a:rPr>
-                <a:t>Start</a:t>
-              </a:r>
-              <a:endParaRPr lang="en-IN" dirty="0">
-                <a:solidFill>
-                  <a:schemeClr val="tx1"/>
-                </a:solidFill>
-              </a:endParaRPr>
-            </a:p>
-          </p:txBody>
-        </p:sp>
-        <p:sp>
-          <p:nvSpPr>
-            <p:cNvPr id="42" name="Flowchart: Decision 41">
-              <a:extLst>
-                <a:ext uri="{FF2B5EF4-FFF2-40B4-BE49-F238E27FC236}">
-                  <a16:creationId xmlns:a16="http://schemas.microsoft.com/office/drawing/2014/main" id="{A3D9C0CC-A683-19D7-C0A9-2BBC57ECF254}"/>
-                </a:ext>
-              </a:extLst>
-            </p:cNvPr>
-            <p:cNvSpPr/>
-            <p:nvPr/>
-          </p:nvSpPr>
-          <p:spPr>
-            <a:xfrm>
-              <a:off x="5142411" y="1210492"/>
-              <a:ext cx="1907178" cy="612648"/>
-            </a:xfrm>
-            <a:prstGeom prst="flowChartDecision">
-              <a:avLst/>
-            </a:prstGeom>
-            <a:noFill/>
-            <a:ln w="19050">
-              <a:solidFill>
-                <a:schemeClr val="tx1"/>
-              </a:solidFill>
-            </a:ln>
-          </p:spPr>
-          <p:style>
-            <a:lnRef idx="2">
-              <a:schemeClr val="accent1">
-                <a:shade val="15000"/>
-              </a:schemeClr>
-            </a:lnRef>
-            <a:fillRef idx="1">
-              <a:schemeClr val="accent1"/>
-            </a:fillRef>
-            <a:effectRef idx="0">
-              <a:schemeClr val="accent1"/>
-            </a:effectRef>
-            <a:fontRef idx="minor">
-              <a:schemeClr val="lt1"/>
-            </a:fontRef>
-          </p:style>
-          <p:txBody>
-            <a:bodyPr rtlCol="0" anchor="ctr"/>
-            <a:lstStyle/>
-            <a:p>
-              <a:pPr algn="ctr"/>
-              <a:r>
-                <a:rPr lang="en-US" sz="1400" dirty="0">
-                  <a:solidFill>
-                    <a:schemeClr val="tx1"/>
-                  </a:solidFill>
-                </a:rPr>
-                <a:t>If running</a:t>
-              </a:r>
-              <a:endParaRPr lang="en-IN" sz="1400" dirty="0">
-                <a:solidFill>
-                  <a:schemeClr val="tx1"/>
-                </a:solidFill>
-              </a:endParaRPr>
-            </a:p>
-          </p:txBody>
-        </p:sp>
-        <p:cxnSp>
-          <p:nvCxnSpPr>
-            <p:cNvPr id="46" name="Straight Arrow Connector 45">
-              <a:extLst>
-                <a:ext uri="{FF2B5EF4-FFF2-40B4-BE49-F238E27FC236}">
-                  <a16:creationId xmlns:a16="http://schemas.microsoft.com/office/drawing/2014/main" id="{025F7EF4-BC59-26C4-3CD1-9FD77015C2B1}"/>
-                </a:ext>
-              </a:extLst>
-            </p:cNvPr>
-            <p:cNvCxnSpPr>
-              <a:stCxn id="34" idx="2"/>
-              <a:endCxn id="42" idx="0"/>
-            </p:cNvCxnSpPr>
-            <p:nvPr/>
-          </p:nvCxnSpPr>
-          <p:spPr>
-            <a:xfrm>
-              <a:off x="6096000" y="763305"/>
-              <a:ext cx="0" cy="447187"/>
-            </a:xfrm>
-            <a:prstGeom prst="straightConnector1">
-              <a:avLst/>
-            </a:prstGeom>
-            <a:ln w="19050">
-              <a:solidFill>
-                <a:schemeClr val="tx1"/>
-              </a:solidFill>
-              <a:tailEnd type="triangle"/>
-            </a:ln>
-          </p:spPr>
-          <p:style>
-            <a:lnRef idx="1">
-              <a:schemeClr val="accent1"/>
-            </a:lnRef>
-            <a:fillRef idx="0">
-              <a:schemeClr val="accent1"/>
-            </a:fillRef>
-            <a:effectRef idx="0">
-              <a:schemeClr val="accent1"/>
-            </a:effectRef>
-            <a:fontRef idx="minor">
-              <a:schemeClr val="tx1"/>
-            </a:fontRef>
-          </p:style>
-        </p:cxnSp>
-        <p:grpSp>
-          <p:nvGrpSpPr>
-            <p:cNvPr id="119" name="Group 118">
-              <a:extLst>
-                <a:ext uri="{FF2B5EF4-FFF2-40B4-BE49-F238E27FC236}">
-                  <a16:creationId xmlns:a16="http://schemas.microsoft.com/office/drawing/2014/main" id="{14C85AAE-216F-302D-7EA8-6B0661195C2A}"/>
-                </a:ext>
-              </a:extLst>
-            </p:cNvPr>
-            <p:cNvGrpSpPr/>
-            <p:nvPr/>
-          </p:nvGrpSpPr>
-          <p:grpSpPr>
-            <a:xfrm>
-              <a:off x="7049589" y="1352877"/>
-              <a:ext cx="2405739" cy="4744428"/>
-              <a:chOff x="7049589" y="1352877"/>
-              <a:chExt cx="2405739" cy="4744428"/>
-            </a:xfrm>
-          </p:grpSpPr>
-          <p:sp>
-            <p:nvSpPr>
-              <p:cNvPr id="93" name="Flowchart: Alternate Process 92">
-                <a:extLst>
-                  <a:ext uri="{FF2B5EF4-FFF2-40B4-BE49-F238E27FC236}">
-                    <a16:creationId xmlns:a16="http://schemas.microsoft.com/office/drawing/2014/main" id="{EF8A98A4-645E-D8B4-6801-061B34E5FEDD}"/>
-                  </a:ext>
-                </a:extLst>
-              </p:cNvPr>
-              <p:cNvSpPr/>
-              <p:nvPr/>
-            </p:nvSpPr>
-            <p:spPr>
-              <a:xfrm>
-                <a:off x="8727447" y="1352877"/>
-                <a:ext cx="541362" cy="362712"/>
-              </a:xfrm>
-              <a:prstGeom prst="flowChartAlternateProcess">
-                <a:avLst/>
-              </a:prstGeom>
-              <a:noFill/>
-              <a:ln w="19050">
-                <a:solidFill>
-                  <a:schemeClr val="tx1"/>
-                </a:solidFill>
-              </a:ln>
-            </p:spPr>
-            <p:style>
-              <a:lnRef idx="2">
-                <a:schemeClr val="accent1">
-                  <a:shade val="15000"/>
-                </a:schemeClr>
-              </a:lnRef>
-              <a:fillRef idx="1">
-                <a:schemeClr val="accent1"/>
-              </a:fillRef>
-              <a:effectRef idx="0">
-                <a:schemeClr val="accent1"/>
-              </a:effectRef>
-              <a:fontRef idx="minor">
-                <a:schemeClr val="lt1"/>
-              </a:fontRef>
-            </p:style>
-            <p:txBody>
-              <a:bodyPr rtlCol="0" anchor="ctr"/>
-              <a:lstStyle/>
-              <a:p>
-                <a:pPr algn="ctr"/>
-                <a:r>
-                  <a:rPr lang="en-US" dirty="0">
-                    <a:solidFill>
-                      <a:schemeClr val="tx1"/>
-                    </a:solidFill>
-                  </a:rPr>
-                  <a:t>No</a:t>
-                </a:r>
-                <a:endParaRPr lang="en-IN" dirty="0">
-                  <a:solidFill>
-                    <a:schemeClr val="tx1"/>
-                  </a:solidFill>
-                </a:endParaRPr>
-              </a:p>
-            </p:txBody>
-          </p:sp>
-          <p:cxnSp>
-            <p:nvCxnSpPr>
-              <p:cNvPr id="94" name="Straight Arrow Connector 93">
-                <a:extLst>
-                  <a:ext uri="{FF2B5EF4-FFF2-40B4-BE49-F238E27FC236}">
-                    <a16:creationId xmlns:a16="http://schemas.microsoft.com/office/drawing/2014/main" id="{125110F9-7E6C-5515-6F04-6299A82F4F5A}"/>
-                  </a:ext>
-                </a:extLst>
-              </p:cNvPr>
-              <p:cNvCxnSpPr>
-                <a:cxnSpLocks/>
-                <a:stCxn id="42" idx="3"/>
-                <a:endCxn id="93" idx="1"/>
-              </p:cNvCxnSpPr>
-              <p:nvPr/>
-            </p:nvCxnSpPr>
-            <p:spPr>
-              <a:xfrm>
-                <a:off x="7049589" y="1516816"/>
-                <a:ext cx="1677858" cy="17417"/>
-              </a:xfrm>
-              <a:prstGeom prst="straightConnector1">
-                <a:avLst/>
-              </a:prstGeom>
-              <a:ln w="19050">
-                <a:solidFill>
-                  <a:schemeClr val="tx1"/>
-                </a:solidFill>
-                <a:tailEnd type="triangle"/>
-              </a:ln>
-            </p:spPr>
-            <p:style>
-              <a:lnRef idx="1">
-                <a:schemeClr val="accent1"/>
-              </a:lnRef>
-              <a:fillRef idx="0">
-                <a:schemeClr val="accent1"/>
-              </a:fillRef>
-              <a:effectRef idx="0">
-                <a:schemeClr val="accent1"/>
-              </a:effectRef>
-              <a:fontRef idx="minor">
-                <a:schemeClr val="tx1"/>
-              </a:fontRef>
-            </p:style>
-          </p:cxnSp>
-          <p:sp>
-            <p:nvSpPr>
-              <p:cNvPr id="97" name="Flowchart: Terminator 96">
-                <a:extLst>
-                  <a:ext uri="{FF2B5EF4-FFF2-40B4-BE49-F238E27FC236}">
-                    <a16:creationId xmlns:a16="http://schemas.microsoft.com/office/drawing/2014/main" id="{5C5F8FCD-5C2A-767B-AC32-A6B1076B39FE}"/>
-                  </a:ext>
-                </a:extLst>
-              </p:cNvPr>
-              <p:cNvSpPr/>
-              <p:nvPr/>
-            </p:nvSpPr>
-            <p:spPr>
-              <a:xfrm>
-                <a:off x="8540928" y="5795553"/>
-                <a:ext cx="914400" cy="301752"/>
-              </a:xfrm>
-              <a:prstGeom prst="flowChartTerminator">
-                <a:avLst/>
-              </a:prstGeom>
-              <a:noFill/>
-              <a:ln w="19050">
-                <a:solidFill>
-                  <a:schemeClr val="tx1"/>
-                </a:solidFill>
-              </a:ln>
-            </p:spPr>
-            <p:style>
-              <a:lnRef idx="2">
-                <a:schemeClr val="accent1">
-                  <a:shade val="15000"/>
-                </a:schemeClr>
-              </a:lnRef>
-              <a:fillRef idx="1">
-                <a:schemeClr val="accent1"/>
-              </a:fillRef>
-              <a:effectRef idx="0">
-                <a:schemeClr val="accent1"/>
-              </a:effectRef>
-              <a:fontRef idx="minor">
-                <a:schemeClr val="lt1"/>
-              </a:fontRef>
-            </p:style>
-            <p:txBody>
-              <a:bodyPr rtlCol="0" anchor="ctr"/>
-              <a:lstStyle/>
-              <a:p>
-                <a:pPr algn="ctr"/>
-                <a:r>
-                  <a:rPr lang="en-US" dirty="0">
-                    <a:solidFill>
-                      <a:schemeClr val="tx1"/>
-                    </a:solidFill>
-                  </a:rPr>
-                  <a:t>Stop</a:t>
-                </a:r>
-                <a:endParaRPr lang="en-IN" dirty="0">
-                  <a:solidFill>
-                    <a:schemeClr val="tx1"/>
-                  </a:solidFill>
-                </a:endParaRPr>
-              </a:p>
-            </p:txBody>
-          </p:sp>
-          <p:cxnSp>
-            <p:nvCxnSpPr>
-              <p:cNvPr id="100" name="Straight Arrow Connector 99">
-                <a:extLst>
-                  <a:ext uri="{FF2B5EF4-FFF2-40B4-BE49-F238E27FC236}">
-                    <a16:creationId xmlns:a16="http://schemas.microsoft.com/office/drawing/2014/main" id="{45CDA54F-C04A-EBAE-6B1A-61075B842BAB}"/>
-                  </a:ext>
-                </a:extLst>
-              </p:cNvPr>
-              <p:cNvCxnSpPr>
-                <a:cxnSpLocks/>
-                <a:stCxn id="93" idx="2"/>
-                <a:endCxn id="97" idx="0"/>
-              </p:cNvCxnSpPr>
-              <p:nvPr/>
-            </p:nvCxnSpPr>
-            <p:spPr>
-              <a:xfrm>
-                <a:off x="8998128" y="1715589"/>
-                <a:ext cx="0" cy="4079964"/>
-              </a:xfrm>
-              <a:prstGeom prst="straightConnector1">
-                <a:avLst/>
-              </a:prstGeom>
-              <a:ln w="19050">
-                <a:solidFill>
-                  <a:schemeClr val="tx1"/>
-                </a:solidFill>
-                <a:tailEnd type="triangle"/>
-              </a:ln>
-            </p:spPr>
-            <p:style>
-              <a:lnRef idx="1">
-                <a:schemeClr val="accent1"/>
-              </a:lnRef>
-              <a:fillRef idx="0">
-                <a:schemeClr val="accent1"/>
-              </a:fillRef>
-              <a:effectRef idx="0">
-                <a:schemeClr val="accent1"/>
-              </a:effectRef>
-              <a:fontRef idx="minor">
-                <a:schemeClr val="tx1"/>
-              </a:fontRef>
-            </p:style>
-          </p:cxnSp>
-        </p:grpSp>
-        <p:grpSp>
-          <p:nvGrpSpPr>
-            <p:cNvPr id="118" name="Group 117">
-              <a:extLst>
-                <a:ext uri="{FF2B5EF4-FFF2-40B4-BE49-F238E27FC236}">
-                  <a16:creationId xmlns:a16="http://schemas.microsoft.com/office/drawing/2014/main" id="{146CBFB1-9B17-5621-FD99-BED630091156}"/>
-                </a:ext>
-              </a:extLst>
-            </p:cNvPr>
-            <p:cNvGrpSpPr/>
-            <p:nvPr/>
-          </p:nvGrpSpPr>
-          <p:grpSpPr>
-            <a:xfrm>
-              <a:off x="2926080" y="1823140"/>
-              <a:ext cx="5453743" cy="4429613"/>
-              <a:chOff x="2926080" y="1823140"/>
-              <a:chExt cx="5453743" cy="4429613"/>
-            </a:xfrm>
-          </p:grpSpPr>
-          <p:grpSp>
-            <p:nvGrpSpPr>
-              <p:cNvPr id="117" name="Group 116">
-                <a:extLst>
-                  <a:ext uri="{FF2B5EF4-FFF2-40B4-BE49-F238E27FC236}">
-                    <a16:creationId xmlns:a16="http://schemas.microsoft.com/office/drawing/2014/main" id="{9BC5A4A7-5CB2-F9F5-D6DC-22CF3914699E}"/>
-                  </a:ext>
-                </a:extLst>
-              </p:cNvPr>
-              <p:cNvGrpSpPr/>
-              <p:nvPr/>
-            </p:nvGrpSpPr>
-            <p:grpSpPr>
-              <a:xfrm>
-                <a:off x="2926080" y="2653506"/>
-                <a:ext cx="2712720" cy="2764534"/>
-                <a:chOff x="2926080" y="2653506"/>
-                <a:chExt cx="2712720" cy="2764534"/>
-              </a:xfrm>
-            </p:grpSpPr>
-            <p:sp>
-              <p:nvSpPr>
-                <p:cNvPr id="47" name="Flowchart: Process 46">
-                  <a:extLst>
-                    <a:ext uri="{FF2B5EF4-FFF2-40B4-BE49-F238E27FC236}">
-                      <a16:creationId xmlns:a16="http://schemas.microsoft.com/office/drawing/2014/main" id="{9DD3FC84-0859-2D09-611C-D3E50639F7F3}"/>
-                    </a:ext>
-                  </a:extLst>
-                </p:cNvPr>
-                <p:cNvSpPr/>
-                <p:nvPr/>
-              </p:nvSpPr>
-              <p:spPr>
-                <a:xfrm>
-                  <a:off x="2926080" y="2653506"/>
-                  <a:ext cx="2712720" cy="2764534"/>
-                </a:xfrm>
-                <a:prstGeom prst="flowChartProcess">
-                  <a:avLst/>
-                </a:prstGeom>
-                <a:noFill/>
-                <a:ln w="19050">
-                  <a:solidFill>
-                    <a:schemeClr val="tx1"/>
-                  </a:solidFill>
-                </a:ln>
-              </p:spPr>
-              <p:style>
-                <a:lnRef idx="2">
-                  <a:schemeClr val="accent1">
-                    <a:shade val="15000"/>
-                  </a:schemeClr>
-                </a:lnRef>
-                <a:fillRef idx="1">
-                  <a:schemeClr val="accent1"/>
-                </a:fillRef>
-                <a:effectRef idx="0">
-                  <a:schemeClr val="accent1"/>
-                </a:effectRef>
-                <a:fontRef idx="minor">
-                  <a:schemeClr val="lt1"/>
-                </a:fontRef>
-              </p:style>
-              <p:txBody>
-                <a:bodyPr rtlCol="0" anchor="ctr"/>
-                <a:lstStyle/>
-                <a:p>
-                  <a:pPr algn="ctr"/>
-                  <a:endParaRPr lang="en-IN"/>
-                </a:p>
-              </p:txBody>
-            </p:sp>
-            <p:sp>
-              <p:nvSpPr>
-                <p:cNvPr id="50" name="Flowchart: Predefined Process 49">
-                  <a:extLst>
-                    <a:ext uri="{FF2B5EF4-FFF2-40B4-BE49-F238E27FC236}">
-                      <a16:creationId xmlns:a16="http://schemas.microsoft.com/office/drawing/2014/main" id="{B1995145-733E-BD28-59CD-7B8FEDD75672}"/>
-                    </a:ext>
-                  </a:extLst>
-                </p:cNvPr>
-                <p:cNvSpPr/>
-                <p:nvPr/>
-              </p:nvSpPr>
-              <p:spPr>
-                <a:xfrm>
-                  <a:off x="3091541" y="2812870"/>
-                  <a:ext cx="1018903" cy="612648"/>
-                </a:xfrm>
-                <a:prstGeom prst="flowChartPredefinedProcess">
-                  <a:avLst/>
-                </a:prstGeom>
-                <a:noFill/>
-                <a:ln w="19050">
-                  <a:solidFill>
-                    <a:schemeClr val="tx1"/>
-                  </a:solidFill>
-                </a:ln>
-              </p:spPr>
-              <p:style>
-                <a:lnRef idx="2">
-                  <a:schemeClr val="accent1">
-                    <a:shade val="15000"/>
-                  </a:schemeClr>
-                </a:lnRef>
-                <a:fillRef idx="1">
-                  <a:schemeClr val="accent1"/>
-                </a:fillRef>
-                <a:effectRef idx="0">
-                  <a:schemeClr val="accent1"/>
-                </a:effectRef>
-                <a:fontRef idx="minor">
-                  <a:schemeClr val="lt1"/>
-                </a:fontRef>
-              </p:style>
-              <p:txBody>
-                <a:bodyPr rtlCol="0" anchor="ctr"/>
-                <a:lstStyle/>
-                <a:p>
-                  <a:pPr algn="ctr"/>
-                  <a:r>
-                    <a:rPr lang="en-US" sz="1100" dirty="0">
-                      <a:solidFill>
-                        <a:schemeClr val="tx1"/>
-                      </a:solidFill>
-                    </a:rPr>
-                    <a:t>Read channel</a:t>
-                  </a:r>
-                </a:p>
-                <a:p>
-                  <a:pPr algn="ctr"/>
-                  <a:r>
-                    <a:rPr lang="en-US" sz="1100" dirty="0">
-                      <a:solidFill>
-                        <a:schemeClr val="tx1"/>
-                      </a:solidFill>
-                    </a:rPr>
-                    <a:t>Number 3</a:t>
-                  </a:r>
-                  <a:endParaRPr lang="en-IN" sz="1100" dirty="0">
-                    <a:solidFill>
-                      <a:schemeClr val="tx1"/>
-                    </a:solidFill>
-                  </a:endParaRPr>
-                </a:p>
-              </p:txBody>
-            </p:sp>
-            <p:sp>
-              <p:nvSpPr>
-                <p:cNvPr id="52" name="Flowchart: Predefined Process 51">
-                  <a:extLst>
-                    <a:ext uri="{FF2B5EF4-FFF2-40B4-BE49-F238E27FC236}">
-                      <a16:creationId xmlns:a16="http://schemas.microsoft.com/office/drawing/2014/main" id="{05000CE9-D441-42FF-F448-5197F32D6DB5}"/>
-                    </a:ext>
-                  </a:extLst>
-                </p:cNvPr>
-                <p:cNvSpPr/>
-                <p:nvPr/>
-              </p:nvSpPr>
-              <p:spPr>
-                <a:xfrm>
-                  <a:off x="4454433" y="2812870"/>
-                  <a:ext cx="1018903" cy="612648"/>
-                </a:xfrm>
-                <a:prstGeom prst="flowChartPredefinedProcess">
-                  <a:avLst/>
-                </a:prstGeom>
-                <a:noFill/>
-                <a:ln w="19050">
-                  <a:solidFill>
-                    <a:schemeClr val="tx1"/>
-                  </a:solidFill>
-                </a:ln>
-              </p:spPr>
-              <p:style>
-                <a:lnRef idx="2">
-                  <a:schemeClr val="accent1">
-                    <a:shade val="15000"/>
-                  </a:schemeClr>
-                </a:lnRef>
-                <a:fillRef idx="1">
-                  <a:schemeClr val="accent1"/>
-                </a:fillRef>
-                <a:effectRef idx="0">
-                  <a:schemeClr val="accent1"/>
-                </a:effectRef>
-                <a:fontRef idx="minor">
-                  <a:schemeClr val="lt1"/>
-                </a:fontRef>
-              </p:style>
-              <p:txBody>
-                <a:bodyPr rtlCol="0" anchor="ctr"/>
-                <a:lstStyle/>
-                <a:p>
-                  <a:pPr algn="ctr"/>
-                  <a:r>
-                    <a:rPr lang="en-US" sz="1100" dirty="0">
-                      <a:solidFill>
-                        <a:schemeClr val="tx1"/>
-                      </a:solidFill>
-                    </a:rPr>
-                    <a:t>Read channel</a:t>
-                  </a:r>
-                </a:p>
-                <a:p>
-                  <a:pPr algn="ctr"/>
-                  <a:r>
-                    <a:rPr lang="en-US" sz="1100" dirty="0">
-                      <a:solidFill>
-                        <a:schemeClr val="tx1"/>
-                      </a:solidFill>
-                    </a:rPr>
-                    <a:t>Number 4</a:t>
-                  </a:r>
-                  <a:endParaRPr lang="en-IN" sz="1100" dirty="0">
-                    <a:solidFill>
-                      <a:schemeClr val="tx1"/>
-                    </a:solidFill>
-                  </a:endParaRPr>
-                </a:p>
-              </p:txBody>
-            </p:sp>
-            <p:sp>
-              <p:nvSpPr>
-                <p:cNvPr id="54" name="Flowchart: Process 53">
-                  <a:extLst>
-                    <a:ext uri="{FF2B5EF4-FFF2-40B4-BE49-F238E27FC236}">
-                      <a16:creationId xmlns:a16="http://schemas.microsoft.com/office/drawing/2014/main" id="{E053FDCF-A096-C27F-C93E-CB2EE1FD4E38}"/>
-                    </a:ext>
-                  </a:extLst>
-                </p:cNvPr>
-                <p:cNvSpPr/>
-                <p:nvPr/>
-              </p:nvSpPr>
-              <p:spPr>
-                <a:xfrm>
-                  <a:off x="3853543" y="3660650"/>
-                  <a:ext cx="857794" cy="612649"/>
-                </a:xfrm>
-                <a:prstGeom prst="flowChartProcess">
-                  <a:avLst/>
-                </a:prstGeom>
-                <a:noFill/>
-                <a:ln w="19050">
-                  <a:solidFill>
-                    <a:schemeClr val="tx1"/>
-                  </a:solidFill>
-                </a:ln>
-              </p:spPr>
-              <p:style>
-                <a:lnRef idx="2">
-                  <a:schemeClr val="accent1">
-                    <a:shade val="15000"/>
-                  </a:schemeClr>
-                </a:lnRef>
-                <a:fillRef idx="1">
-                  <a:schemeClr val="accent1"/>
-                </a:fillRef>
-                <a:effectRef idx="0">
-                  <a:schemeClr val="accent1"/>
-                </a:effectRef>
-                <a:fontRef idx="minor">
-                  <a:schemeClr val="lt1"/>
-                </a:fontRef>
-              </p:style>
-              <p:txBody>
-                <a:bodyPr rtlCol="0" anchor="ctr"/>
-                <a:lstStyle/>
-                <a:p>
-                  <a:pPr algn="ctr"/>
-                  <a:r>
-                    <a:rPr lang="en-US" sz="1200" dirty="0">
-                      <a:solidFill>
-                        <a:schemeClr val="tx1"/>
-                      </a:solidFill>
-                    </a:rPr>
-                    <a:t>Calculate joystick position</a:t>
-                  </a:r>
-                  <a:endParaRPr lang="en-IN" sz="1200" dirty="0">
-                    <a:solidFill>
-                      <a:schemeClr val="tx1"/>
-                    </a:solidFill>
-                  </a:endParaRPr>
-                </a:p>
-              </p:txBody>
-            </p:sp>
-            <p:cxnSp>
-              <p:nvCxnSpPr>
-                <p:cNvPr id="56" name="Connector: Elbow 55">
-                  <a:extLst>
-                    <a:ext uri="{FF2B5EF4-FFF2-40B4-BE49-F238E27FC236}">
-                      <a16:creationId xmlns:a16="http://schemas.microsoft.com/office/drawing/2014/main" id="{1B0BD3F4-35E6-3C44-E27B-4392488CEA8F}"/>
-                    </a:ext>
-                  </a:extLst>
-                </p:cNvPr>
-                <p:cNvCxnSpPr>
-                  <a:stCxn id="52" idx="2"/>
-                  <a:endCxn id="54" idx="3"/>
-                </p:cNvCxnSpPr>
-                <p:nvPr/>
-              </p:nvCxnSpPr>
-              <p:spPr>
-                <a:xfrm rot="5400000">
-                  <a:off x="4566883" y="3569972"/>
-                  <a:ext cx="541457" cy="252548"/>
-                </a:xfrm>
-                <a:prstGeom prst="bentConnector2">
-                  <a:avLst/>
-                </a:prstGeom>
-                <a:ln w="19050">
-                  <a:solidFill>
-                    <a:schemeClr val="tx1"/>
-                  </a:solidFill>
-                  <a:tailEnd type="triangle"/>
-                </a:ln>
-              </p:spPr>
-              <p:style>
-                <a:lnRef idx="1">
-                  <a:schemeClr val="accent1"/>
-                </a:lnRef>
-                <a:fillRef idx="0">
-                  <a:schemeClr val="accent1"/>
-                </a:fillRef>
-                <a:effectRef idx="0">
-                  <a:schemeClr val="accent1"/>
-                </a:effectRef>
-                <a:fontRef idx="minor">
-                  <a:schemeClr val="tx1"/>
-                </a:fontRef>
-              </p:style>
-            </p:cxnSp>
-            <p:cxnSp>
-              <p:nvCxnSpPr>
-                <p:cNvPr id="58" name="Connector: Elbow 57">
-                  <a:extLst>
-                    <a:ext uri="{FF2B5EF4-FFF2-40B4-BE49-F238E27FC236}">
-                      <a16:creationId xmlns:a16="http://schemas.microsoft.com/office/drawing/2014/main" id="{78CB006B-31B4-8BAB-A0AF-CF947307AA1E}"/>
-                    </a:ext>
-                  </a:extLst>
-                </p:cNvPr>
-                <p:cNvCxnSpPr>
-                  <a:stCxn id="50" idx="2"/>
-                  <a:endCxn id="54" idx="1"/>
-                </p:cNvCxnSpPr>
-                <p:nvPr/>
-              </p:nvCxnSpPr>
-              <p:spPr>
-                <a:xfrm rot="16200000" flipH="1">
-                  <a:off x="3456540" y="3569971"/>
-                  <a:ext cx="541457" cy="252550"/>
-                </a:xfrm>
-                <a:prstGeom prst="bentConnector2">
-                  <a:avLst/>
-                </a:prstGeom>
-                <a:ln w="19050">
-                  <a:solidFill>
-                    <a:schemeClr val="tx1"/>
-                  </a:solidFill>
-                  <a:tailEnd type="triangle"/>
-                </a:ln>
-              </p:spPr>
-              <p:style>
-                <a:lnRef idx="1">
-                  <a:schemeClr val="accent1"/>
-                </a:lnRef>
-                <a:fillRef idx="0">
-                  <a:schemeClr val="accent1"/>
-                </a:fillRef>
-                <a:effectRef idx="0">
-                  <a:schemeClr val="accent1"/>
-                </a:effectRef>
-                <a:fontRef idx="minor">
-                  <a:schemeClr val="tx1"/>
-                </a:fontRef>
-              </p:style>
-            </p:cxnSp>
-            <p:sp>
-              <p:nvSpPr>
-                <p:cNvPr id="60" name="Flowchart: Process 59">
-                  <a:extLst>
-                    <a:ext uri="{FF2B5EF4-FFF2-40B4-BE49-F238E27FC236}">
-                      <a16:creationId xmlns:a16="http://schemas.microsoft.com/office/drawing/2014/main" id="{51BC0011-CE04-E65D-B9EE-2C1E17424207}"/>
-                    </a:ext>
-                  </a:extLst>
-                </p:cNvPr>
-                <p:cNvSpPr/>
-                <p:nvPr/>
-              </p:nvSpPr>
-              <p:spPr>
-                <a:xfrm>
-                  <a:off x="3600994" y="4582234"/>
-                  <a:ext cx="1362892" cy="612649"/>
-                </a:xfrm>
-                <a:prstGeom prst="flowChartProcess">
-                  <a:avLst/>
-                </a:prstGeom>
-                <a:noFill/>
-                <a:ln w="19050">
-                  <a:solidFill>
-                    <a:schemeClr val="tx1"/>
-                  </a:solidFill>
-                </a:ln>
-              </p:spPr>
-              <p:style>
-                <a:lnRef idx="2">
-                  <a:schemeClr val="accent1">
-                    <a:shade val="15000"/>
-                  </a:schemeClr>
-                </a:lnRef>
-                <a:fillRef idx="1">
-                  <a:schemeClr val="accent1"/>
-                </a:fillRef>
-                <a:effectRef idx="0">
-                  <a:schemeClr val="accent1"/>
-                </a:effectRef>
-                <a:fontRef idx="minor">
-                  <a:schemeClr val="lt1"/>
-                </a:fontRef>
-              </p:style>
-              <p:txBody>
-                <a:bodyPr rtlCol="0" anchor="ctr"/>
-                <a:lstStyle/>
-                <a:p>
-                  <a:pPr algn="ctr"/>
-                  <a:r>
-                    <a:rPr lang="en-US" sz="1200" dirty="0">
-                      <a:solidFill>
-                        <a:schemeClr val="tx1"/>
-                      </a:solidFill>
-                    </a:rPr>
-                    <a:t>Set speed of horizontal motors using position</a:t>
-                  </a:r>
-                  <a:endParaRPr lang="en-IN" sz="1200" dirty="0">
-                    <a:solidFill>
-                      <a:schemeClr val="tx1"/>
-                    </a:solidFill>
-                  </a:endParaRPr>
-                </a:p>
-              </p:txBody>
-            </p:sp>
-            <p:cxnSp>
-              <p:nvCxnSpPr>
-                <p:cNvPr id="62" name="Straight Arrow Connector 61">
-                  <a:extLst>
-                    <a:ext uri="{FF2B5EF4-FFF2-40B4-BE49-F238E27FC236}">
-                      <a16:creationId xmlns:a16="http://schemas.microsoft.com/office/drawing/2014/main" id="{3DFC620B-7209-5A27-C6E0-6ED09425E883}"/>
-                    </a:ext>
-                  </a:extLst>
-                </p:cNvPr>
-                <p:cNvCxnSpPr>
-                  <a:cxnSpLocks/>
-                  <a:stCxn id="54" idx="2"/>
-                  <a:endCxn id="60" idx="0"/>
-                </p:cNvCxnSpPr>
-                <p:nvPr/>
-              </p:nvCxnSpPr>
-              <p:spPr>
-                <a:xfrm>
-                  <a:off x="4282440" y="4273299"/>
-                  <a:ext cx="0" cy="308935"/>
-                </a:xfrm>
-                <a:prstGeom prst="straightConnector1">
-                  <a:avLst/>
-                </a:prstGeom>
-                <a:ln w="19050">
-                  <a:solidFill>
-                    <a:schemeClr val="tx1"/>
-                  </a:solidFill>
-                  <a:tailEnd type="triangle"/>
-                </a:ln>
-              </p:spPr>
-              <p:style>
-                <a:lnRef idx="1">
-                  <a:schemeClr val="accent1"/>
-                </a:lnRef>
-                <a:fillRef idx="0">
-                  <a:schemeClr val="accent1"/>
-                </a:fillRef>
-                <a:effectRef idx="0">
-                  <a:schemeClr val="accent1"/>
-                </a:effectRef>
-                <a:fontRef idx="minor">
-                  <a:schemeClr val="tx1"/>
-                </a:fontRef>
-              </p:style>
-            </p:cxnSp>
-          </p:grpSp>
-          <p:sp>
-            <p:nvSpPr>
-              <p:cNvPr id="71" name="Flowchart: Alternate Process 70">
-                <a:extLst>
-                  <a:ext uri="{FF2B5EF4-FFF2-40B4-BE49-F238E27FC236}">
-                    <a16:creationId xmlns:a16="http://schemas.microsoft.com/office/drawing/2014/main" id="{9B3E4333-F277-D430-F7B5-0398D886B76D}"/>
-                  </a:ext>
-                </a:extLst>
-              </p:cNvPr>
-              <p:cNvSpPr/>
-              <p:nvPr/>
-            </p:nvSpPr>
-            <p:spPr>
-              <a:xfrm>
-                <a:off x="5825319" y="2039550"/>
-                <a:ext cx="541362" cy="362712"/>
-              </a:xfrm>
-              <a:prstGeom prst="flowChartAlternateProcess">
-                <a:avLst/>
-              </a:prstGeom>
-              <a:noFill/>
-              <a:ln w="19050">
-                <a:solidFill>
-                  <a:schemeClr val="tx1"/>
-                </a:solidFill>
-              </a:ln>
-            </p:spPr>
-            <p:style>
-              <a:lnRef idx="2">
-                <a:schemeClr val="accent1">
-                  <a:shade val="15000"/>
-                </a:schemeClr>
-              </a:lnRef>
-              <a:fillRef idx="1">
-                <a:schemeClr val="accent1"/>
-              </a:fillRef>
-              <a:effectRef idx="0">
-                <a:schemeClr val="accent1"/>
-              </a:effectRef>
-              <a:fontRef idx="minor">
-                <a:schemeClr val="lt1"/>
-              </a:fontRef>
-            </p:style>
-            <p:txBody>
-              <a:bodyPr rtlCol="0" anchor="ctr"/>
-              <a:lstStyle/>
-              <a:p>
-                <a:pPr algn="ctr"/>
-                <a:r>
-                  <a:rPr lang="en-US" dirty="0">
-                    <a:solidFill>
-                      <a:schemeClr val="tx1"/>
-                    </a:solidFill>
-                  </a:rPr>
-                  <a:t>Yes</a:t>
-                </a:r>
-                <a:endParaRPr lang="en-IN" dirty="0">
-                  <a:solidFill>
-                    <a:schemeClr val="tx1"/>
-                  </a:solidFill>
-                </a:endParaRPr>
-              </a:p>
-            </p:txBody>
-          </p:sp>
-          <p:cxnSp>
-            <p:nvCxnSpPr>
-              <p:cNvPr id="73" name="Straight Arrow Connector 72">
-                <a:extLst>
-                  <a:ext uri="{FF2B5EF4-FFF2-40B4-BE49-F238E27FC236}">
-                    <a16:creationId xmlns:a16="http://schemas.microsoft.com/office/drawing/2014/main" id="{AC094B8F-9939-D14D-292B-5625B1DA7A04}"/>
-                  </a:ext>
-                </a:extLst>
-              </p:cNvPr>
-              <p:cNvCxnSpPr>
-                <a:stCxn id="42" idx="2"/>
-                <a:endCxn id="71" idx="0"/>
-              </p:cNvCxnSpPr>
-              <p:nvPr/>
-            </p:nvCxnSpPr>
-            <p:spPr>
-              <a:xfrm>
-                <a:off x="6096000" y="1823140"/>
-                <a:ext cx="0" cy="216410"/>
-              </a:xfrm>
-              <a:prstGeom prst="straightConnector1">
-                <a:avLst/>
-              </a:prstGeom>
-              <a:ln w="19050">
-                <a:solidFill>
-                  <a:schemeClr val="tx1"/>
-                </a:solidFill>
-                <a:tailEnd type="triangle"/>
-              </a:ln>
-            </p:spPr>
-            <p:style>
-              <a:lnRef idx="1">
-                <a:schemeClr val="accent1"/>
-              </a:lnRef>
-              <a:fillRef idx="0">
-                <a:schemeClr val="accent1"/>
-              </a:fillRef>
-              <a:effectRef idx="0">
-                <a:schemeClr val="accent1"/>
-              </a:effectRef>
-              <a:fontRef idx="minor">
-                <a:schemeClr val="tx1"/>
-              </a:fontRef>
-            </p:style>
-          </p:cxnSp>
-          <p:cxnSp>
-            <p:nvCxnSpPr>
-              <p:cNvPr id="75" name="Connector: Elbow 74">
-                <a:extLst>
-                  <a:ext uri="{FF2B5EF4-FFF2-40B4-BE49-F238E27FC236}">
-                    <a16:creationId xmlns:a16="http://schemas.microsoft.com/office/drawing/2014/main" id="{E4B589C2-C4DC-1571-7D00-F04DB40FD88E}"/>
-                  </a:ext>
-                </a:extLst>
-              </p:cNvPr>
-              <p:cNvCxnSpPr>
-                <a:stCxn id="71" idx="2"/>
-                <a:endCxn id="47" idx="0"/>
-              </p:cNvCxnSpPr>
-              <p:nvPr/>
-            </p:nvCxnSpPr>
-            <p:spPr>
-              <a:xfrm rot="5400000">
-                <a:off x="5063598" y="1621104"/>
-                <a:ext cx="251244" cy="1813560"/>
-              </a:xfrm>
-              <a:prstGeom prst="bentConnector3">
-                <a:avLst/>
-              </a:prstGeom>
-              <a:ln w="19050">
-                <a:solidFill>
-                  <a:schemeClr val="tx1"/>
-                </a:solidFill>
-                <a:tailEnd type="triangle"/>
-              </a:ln>
-            </p:spPr>
-            <p:style>
-              <a:lnRef idx="1">
-                <a:schemeClr val="accent1"/>
-              </a:lnRef>
-              <a:fillRef idx="0">
-                <a:schemeClr val="accent1"/>
-              </a:fillRef>
-              <a:effectRef idx="0">
-                <a:schemeClr val="accent1"/>
-              </a:effectRef>
-              <a:fontRef idx="minor">
-                <a:schemeClr val="tx1"/>
-              </a:fontRef>
-            </p:style>
-          </p:cxnSp>
-          <p:grpSp>
-            <p:nvGrpSpPr>
-              <p:cNvPr id="116" name="Group 115">
-                <a:extLst>
-                  <a:ext uri="{FF2B5EF4-FFF2-40B4-BE49-F238E27FC236}">
-                    <a16:creationId xmlns:a16="http://schemas.microsoft.com/office/drawing/2014/main" id="{E3B20D92-A7CA-92ED-D4CE-20A9CC6BED0A}"/>
-                  </a:ext>
-                </a:extLst>
-              </p:cNvPr>
-              <p:cNvGrpSpPr/>
-              <p:nvPr/>
-            </p:nvGrpSpPr>
-            <p:grpSpPr>
-              <a:xfrm>
-                <a:off x="6566263" y="2653506"/>
-                <a:ext cx="1813560" cy="2764534"/>
-                <a:chOff x="6566263" y="2653506"/>
-                <a:chExt cx="1813560" cy="2764534"/>
-              </a:xfrm>
-            </p:grpSpPr>
-            <p:sp>
-              <p:nvSpPr>
-                <p:cNvPr id="77" name="Flowchart: Process 76">
-                  <a:extLst>
-                    <a:ext uri="{FF2B5EF4-FFF2-40B4-BE49-F238E27FC236}">
-                      <a16:creationId xmlns:a16="http://schemas.microsoft.com/office/drawing/2014/main" id="{478EBAC5-5C25-AB6E-4D7E-1C2AB9C03167}"/>
-                    </a:ext>
-                  </a:extLst>
-                </p:cNvPr>
-                <p:cNvSpPr/>
-                <p:nvPr/>
-              </p:nvSpPr>
-              <p:spPr>
-                <a:xfrm>
-                  <a:off x="6566263" y="2653506"/>
-                  <a:ext cx="1813560" cy="2764534"/>
-                </a:xfrm>
-                <a:prstGeom prst="flowChartProcess">
-                  <a:avLst/>
-                </a:prstGeom>
-                <a:noFill/>
-                <a:ln w="19050">
-                  <a:solidFill>
-                    <a:schemeClr val="tx1"/>
-                  </a:solidFill>
-                </a:ln>
-              </p:spPr>
-              <p:style>
-                <a:lnRef idx="2">
-                  <a:schemeClr val="accent1">
-                    <a:shade val="15000"/>
-                  </a:schemeClr>
-                </a:lnRef>
-                <a:fillRef idx="1">
-                  <a:schemeClr val="accent1"/>
-                </a:fillRef>
-                <a:effectRef idx="0">
-                  <a:schemeClr val="accent1"/>
-                </a:effectRef>
-                <a:fontRef idx="minor">
-                  <a:schemeClr val="lt1"/>
-                </a:fontRef>
-              </p:style>
-              <p:txBody>
-                <a:bodyPr rtlCol="0" anchor="ctr"/>
-                <a:lstStyle/>
-                <a:p>
-                  <a:pPr algn="ctr"/>
-                  <a:endParaRPr lang="en-IN"/>
-                </a:p>
-              </p:txBody>
-            </p:sp>
-            <p:sp>
-              <p:nvSpPr>
-                <p:cNvPr id="78" name="Flowchart: Predefined Process 77">
-                  <a:extLst>
-                    <a:ext uri="{FF2B5EF4-FFF2-40B4-BE49-F238E27FC236}">
-                      <a16:creationId xmlns:a16="http://schemas.microsoft.com/office/drawing/2014/main" id="{1619359D-38D0-6842-FD18-B5B9BF84732C}"/>
-                    </a:ext>
-                  </a:extLst>
-                </p:cNvPr>
-                <p:cNvSpPr/>
-                <p:nvPr/>
-              </p:nvSpPr>
-              <p:spPr>
-                <a:xfrm>
-                  <a:off x="6958147" y="2812870"/>
-                  <a:ext cx="1018903" cy="612648"/>
-                </a:xfrm>
-                <a:prstGeom prst="flowChartPredefinedProcess">
-                  <a:avLst/>
-                </a:prstGeom>
-                <a:noFill/>
-                <a:ln w="19050">
-                  <a:solidFill>
-                    <a:schemeClr val="tx1"/>
-                  </a:solidFill>
-                </a:ln>
-              </p:spPr>
-              <p:style>
-                <a:lnRef idx="2">
-                  <a:schemeClr val="accent1">
-                    <a:shade val="15000"/>
-                  </a:schemeClr>
-                </a:lnRef>
-                <a:fillRef idx="1">
-                  <a:schemeClr val="accent1"/>
-                </a:fillRef>
-                <a:effectRef idx="0">
-                  <a:schemeClr val="accent1"/>
-                </a:effectRef>
-                <a:fontRef idx="minor">
-                  <a:schemeClr val="lt1"/>
-                </a:fontRef>
-              </p:style>
-              <p:txBody>
-                <a:bodyPr rtlCol="0" anchor="ctr"/>
-                <a:lstStyle/>
-                <a:p>
-                  <a:pPr algn="ctr"/>
-                  <a:r>
-                    <a:rPr lang="en-US" sz="1100" dirty="0">
-                      <a:solidFill>
-                        <a:schemeClr val="tx1"/>
-                      </a:solidFill>
-                    </a:rPr>
-                    <a:t>Read channel</a:t>
-                  </a:r>
-                </a:p>
-                <a:p>
-                  <a:pPr algn="ctr"/>
-                  <a:r>
-                    <a:rPr lang="en-US" sz="1100" dirty="0">
-                      <a:solidFill>
-                        <a:schemeClr val="tx1"/>
-                      </a:solidFill>
-                    </a:rPr>
-                    <a:t>Number 6</a:t>
-                  </a:r>
-                  <a:endParaRPr lang="en-IN" sz="1100" dirty="0">
-                    <a:solidFill>
-                      <a:schemeClr val="tx1"/>
-                    </a:solidFill>
-                  </a:endParaRPr>
-                </a:p>
-              </p:txBody>
-            </p:sp>
-            <p:sp>
-              <p:nvSpPr>
-                <p:cNvPr id="83" name="Flowchart: Process 82">
-                  <a:extLst>
-                    <a:ext uri="{FF2B5EF4-FFF2-40B4-BE49-F238E27FC236}">
-                      <a16:creationId xmlns:a16="http://schemas.microsoft.com/office/drawing/2014/main" id="{15DE207C-3F89-D88E-92EB-52E1E70763BF}"/>
-                    </a:ext>
-                  </a:extLst>
-                </p:cNvPr>
-                <p:cNvSpPr/>
-                <p:nvPr/>
-              </p:nvSpPr>
-              <p:spPr>
-                <a:xfrm>
-                  <a:off x="6786152" y="4582234"/>
-                  <a:ext cx="1362892" cy="612649"/>
-                </a:xfrm>
-                <a:prstGeom prst="flowChartProcess">
-                  <a:avLst/>
-                </a:prstGeom>
-                <a:noFill/>
-                <a:ln w="19050">
-                  <a:solidFill>
-                    <a:schemeClr val="tx1"/>
-                  </a:solidFill>
-                </a:ln>
-              </p:spPr>
-              <p:style>
-                <a:lnRef idx="2">
-                  <a:schemeClr val="accent1">
-                    <a:shade val="15000"/>
-                  </a:schemeClr>
-                </a:lnRef>
-                <a:fillRef idx="1">
-                  <a:schemeClr val="accent1"/>
-                </a:fillRef>
-                <a:effectRef idx="0">
-                  <a:schemeClr val="accent1"/>
-                </a:effectRef>
-                <a:fontRef idx="minor">
-                  <a:schemeClr val="lt1"/>
-                </a:fontRef>
-              </p:style>
-              <p:txBody>
-                <a:bodyPr rtlCol="0" anchor="ctr"/>
-                <a:lstStyle/>
-                <a:p>
-                  <a:pPr algn="ctr"/>
-                  <a:r>
-                    <a:rPr lang="en-US" sz="1200" dirty="0">
-                      <a:solidFill>
-                        <a:schemeClr val="tx1"/>
-                      </a:solidFill>
-                    </a:rPr>
-                    <a:t>Set speed of horizontal motors using position</a:t>
-                  </a:r>
-                  <a:endParaRPr lang="en-IN" sz="1200" dirty="0">
-                    <a:solidFill>
-                      <a:schemeClr val="tx1"/>
-                    </a:solidFill>
-                  </a:endParaRPr>
-                </a:p>
-              </p:txBody>
-            </p:sp>
-            <p:cxnSp>
-              <p:nvCxnSpPr>
-                <p:cNvPr id="84" name="Straight Arrow Connector 83">
-                  <a:extLst>
-                    <a:ext uri="{FF2B5EF4-FFF2-40B4-BE49-F238E27FC236}">
-                      <a16:creationId xmlns:a16="http://schemas.microsoft.com/office/drawing/2014/main" id="{54B1F383-11FC-7367-5511-26290545CE27}"/>
-                    </a:ext>
-                  </a:extLst>
-                </p:cNvPr>
-                <p:cNvCxnSpPr>
-                  <a:cxnSpLocks/>
-                  <a:stCxn id="78" idx="2"/>
-                  <a:endCxn id="83" idx="0"/>
-                </p:cNvCxnSpPr>
-                <p:nvPr/>
-              </p:nvCxnSpPr>
-              <p:spPr>
-                <a:xfrm flipH="1">
-                  <a:off x="7467598" y="3425518"/>
-                  <a:ext cx="1" cy="1156716"/>
-                </a:xfrm>
-                <a:prstGeom prst="straightConnector1">
-                  <a:avLst/>
-                </a:prstGeom>
-                <a:ln w="19050">
-                  <a:solidFill>
-                    <a:schemeClr val="tx1"/>
-                  </a:solidFill>
-                  <a:tailEnd type="triangle"/>
-                </a:ln>
-              </p:spPr>
-              <p:style>
-                <a:lnRef idx="1">
-                  <a:schemeClr val="accent1"/>
-                </a:lnRef>
-                <a:fillRef idx="0">
-                  <a:schemeClr val="accent1"/>
-                </a:fillRef>
-                <a:effectRef idx="0">
-                  <a:schemeClr val="accent1"/>
-                </a:effectRef>
-                <a:fontRef idx="minor">
-                  <a:schemeClr val="tx1"/>
-                </a:fontRef>
-              </p:style>
-            </p:cxnSp>
-          </p:grpSp>
-          <p:cxnSp>
-            <p:nvCxnSpPr>
-              <p:cNvPr id="88" name="Connector: Elbow 87">
-                <a:extLst>
-                  <a:ext uri="{FF2B5EF4-FFF2-40B4-BE49-F238E27FC236}">
-                    <a16:creationId xmlns:a16="http://schemas.microsoft.com/office/drawing/2014/main" id="{16D8A3CB-6FC5-96A7-3918-05350745FB5D}"/>
-                  </a:ext>
-                </a:extLst>
-              </p:cNvPr>
-              <p:cNvCxnSpPr>
-                <a:cxnSpLocks/>
-                <a:stCxn id="71" idx="2"/>
-                <a:endCxn id="77" idx="0"/>
-              </p:cNvCxnSpPr>
-              <p:nvPr/>
-            </p:nvCxnSpPr>
-            <p:spPr>
-              <a:xfrm rot="16200000" flipH="1">
-                <a:off x="6658899" y="1839362"/>
-                <a:ext cx="251244" cy="1377043"/>
-              </a:xfrm>
-              <a:prstGeom prst="bentConnector3">
-                <a:avLst>
-                  <a:gd name="adj1" fmla="val 50000"/>
-                </a:avLst>
-              </a:prstGeom>
-              <a:ln w="19050">
-                <a:solidFill>
-                  <a:schemeClr val="tx1"/>
-                </a:solidFill>
-                <a:tailEnd type="triangle"/>
-              </a:ln>
-            </p:spPr>
-            <p:style>
-              <a:lnRef idx="1">
-                <a:schemeClr val="accent1"/>
-              </a:lnRef>
-              <a:fillRef idx="0">
-                <a:schemeClr val="accent1"/>
-              </a:fillRef>
-              <a:effectRef idx="0">
-                <a:schemeClr val="accent1"/>
-              </a:effectRef>
-              <a:fontRef idx="minor">
-                <a:schemeClr val="tx1"/>
-              </a:fontRef>
-            </p:style>
-          </p:cxnSp>
-          <p:sp>
-            <p:nvSpPr>
-              <p:cNvPr id="107" name="Flowchart: Process 106">
-                <a:extLst>
-                  <a:ext uri="{FF2B5EF4-FFF2-40B4-BE49-F238E27FC236}">
-                    <a16:creationId xmlns:a16="http://schemas.microsoft.com/office/drawing/2014/main" id="{305D4C57-DB54-EA6E-D86A-46F1F47DB0CB}"/>
-                  </a:ext>
-                </a:extLst>
-              </p:cNvPr>
-              <p:cNvSpPr/>
-              <p:nvPr/>
-            </p:nvSpPr>
-            <p:spPr>
-              <a:xfrm>
-                <a:off x="5638799" y="5640105"/>
-                <a:ext cx="914400" cy="612648"/>
-              </a:xfrm>
-              <a:prstGeom prst="flowChartProcess">
-                <a:avLst/>
-              </a:prstGeom>
-              <a:noFill/>
-              <a:ln w="19050">
-                <a:solidFill>
-                  <a:schemeClr val="tx1"/>
-                </a:solidFill>
-              </a:ln>
-            </p:spPr>
-            <p:style>
-              <a:lnRef idx="2">
-                <a:schemeClr val="accent1">
-                  <a:shade val="15000"/>
-                </a:schemeClr>
-              </a:lnRef>
-              <a:fillRef idx="1">
-                <a:schemeClr val="accent1"/>
-              </a:fillRef>
-              <a:effectRef idx="0">
-                <a:schemeClr val="accent1"/>
-              </a:effectRef>
-              <a:fontRef idx="minor">
-                <a:schemeClr val="lt1"/>
-              </a:fontRef>
-            </p:style>
-            <p:txBody>
-              <a:bodyPr rtlCol="0" anchor="ctr"/>
-              <a:lstStyle/>
-              <a:p>
-                <a:pPr algn="ctr"/>
-                <a:r>
-                  <a:rPr lang="en-US" sz="1200" dirty="0">
-                    <a:solidFill>
-                      <a:schemeClr val="tx1"/>
-                    </a:solidFill>
-                  </a:rPr>
-                  <a:t>Wait until processes</a:t>
-                </a:r>
-              </a:p>
-              <a:p>
-                <a:pPr algn="ctr"/>
-                <a:r>
-                  <a:rPr lang="en-US" sz="1200" dirty="0">
-                    <a:solidFill>
-                      <a:schemeClr val="tx1"/>
-                    </a:solidFill>
-                  </a:rPr>
-                  <a:t>complete </a:t>
-                </a:r>
-                <a:endParaRPr lang="en-IN" sz="1200" dirty="0">
-                  <a:solidFill>
-                    <a:schemeClr val="tx1"/>
-                  </a:solidFill>
-                </a:endParaRPr>
-              </a:p>
-            </p:txBody>
-          </p:sp>
-          <p:cxnSp>
-            <p:nvCxnSpPr>
-              <p:cNvPr id="109" name="Connector: Elbow 108">
-                <a:extLst>
-                  <a:ext uri="{FF2B5EF4-FFF2-40B4-BE49-F238E27FC236}">
-                    <a16:creationId xmlns:a16="http://schemas.microsoft.com/office/drawing/2014/main" id="{75822C43-43D7-AB9D-DDC7-5BDF126AC030}"/>
-                  </a:ext>
-                </a:extLst>
-              </p:cNvPr>
-              <p:cNvCxnSpPr>
-                <a:stCxn id="47" idx="2"/>
-                <a:endCxn id="107" idx="1"/>
-              </p:cNvCxnSpPr>
-              <p:nvPr/>
-            </p:nvCxnSpPr>
-            <p:spPr>
-              <a:xfrm rot="16200000" flipH="1">
-                <a:off x="4696425" y="5004054"/>
-                <a:ext cx="528389" cy="1356359"/>
-              </a:xfrm>
-              <a:prstGeom prst="bentConnector2">
-                <a:avLst/>
-              </a:prstGeom>
-              <a:ln w="19050">
-                <a:solidFill>
-                  <a:schemeClr val="tx1"/>
-                </a:solidFill>
-                <a:tailEnd type="triangle"/>
-              </a:ln>
-            </p:spPr>
-            <p:style>
-              <a:lnRef idx="1">
-                <a:schemeClr val="accent1"/>
-              </a:lnRef>
-              <a:fillRef idx="0">
-                <a:schemeClr val="accent1"/>
-              </a:fillRef>
-              <a:effectRef idx="0">
-                <a:schemeClr val="accent1"/>
-              </a:effectRef>
-              <a:fontRef idx="minor">
-                <a:schemeClr val="tx1"/>
-              </a:fontRef>
-            </p:style>
-          </p:cxnSp>
-          <p:cxnSp>
-            <p:nvCxnSpPr>
-              <p:cNvPr id="111" name="Connector: Elbow 110">
-                <a:extLst>
-                  <a:ext uri="{FF2B5EF4-FFF2-40B4-BE49-F238E27FC236}">
-                    <a16:creationId xmlns:a16="http://schemas.microsoft.com/office/drawing/2014/main" id="{DC1BC850-5624-99A6-94D2-DF7CF6E7DBB7}"/>
-                  </a:ext>
-                </a:extLst>
-              </p:cNvPr>
-              <p:cNvCxnSpPr>
-                <a:cxnSpLocks/>
-                <a:stCxn id="77" idx="2"/>
-                <a:endCxn id="107" idx="3"/>
-              </p:cNvCxnSpPr>
-              <p:nvPr/>
-            </p:nvCxnSpPr>
-            <p:spPr>
-              <a:xfrm rot="5400000">
-                <a:off x="6748927" y="5222312"/>
-                <a:ext cx="528389" cy="919844"/>
-              </a:xfrm>
-              <a:prstGeom prst="bentConnector2">
-                <a:avLst/>
-              </a:prstGeom>
-              <a:ln w="19050">
-                <a:solidFill>
-                  <a:schemeClr val="tx1"/>
-                </a:solidFill>
-                <a:tailEnd type="triangle"/>
-              </a:ln>
-            </p:spPr>
-            <p:style>
-              <a:lnRef idx="1">
-                <a:schemeClr val="accent1"/>
-              </a:lnRef>
-              <a:fillRef idx="0">
-                <a:schemeClr val="accent1"/>
-              </a:fillRef>
-              <a:effectRef idx="0">
-                <a:schemeClr val="accent1"/>
-              </a:effectRef>
-              <a:fontRef idx="minor">
-                <a:schemeClr val="tx1"/>
-              </a:fontRef>
-            </p:style>
-          </p:cxnSp>
-        </p:grpSp>
-        <p:cxnSp>
-          <p:nvCxnSpPr>
-            <p:cNvPr id="113" name="Connector: Elbow 112">
-              <a:extLst>
-                <a:ext uri="{FF2B5EF4-FFF2-40B4-BE49-F238E27FC236}">
-                  <a16:creationId xmlns:a16="http://schemas.microsoft.com/office/drawing/2014/main" id="{4B6D1B4B-3A9A-9CF7-28F1-AB33A2FE86F5}"/>
-                </a:ext>
-              </a:extLst>
-            </p:cNvPr>
-            <p:cNvCxnSpPr>
-              <a:stCxn id="107" idx="2"/>
-              <a:endCxn id="42" idx="1"/>
-            </p:cNvCxnSpPr>
-            <p:nvPr/>
-          </p:nvCxnSpPr>
-          <p:spPr>
-            <a:xfrm rot="5400000" flipH="1">
-              <a:off x="3251236" y="3407991"/>
-              <a:ext cx="4735937" cy="953588"/>
-            </a:xfrm>
-            <a:prstGeom prst="bentConnector4">
-              <a:avLst>
-                <a:gd name="adj1" fmla="val -4827"/>
-                <a:gd name="adj2" fmla="val 376940"/>
-              </a:avLst>
-            </a:prstGeom>
-            <a:ln w="19050">
-              <a:solidFill>
-                <a:schemeClr val="tx1"/>
-              </a:solidFill>
-              <a:tailEnd type="triangle"/>
-            </a:ln>
-          </p:spPr>
-          <p:style>
-            <a:lnRef idx="1">
-              <a:schemeClr val="accent1"/>
-            </a:lnRef>
-            <a:fillRef idx="0">
-              <a:schemeClr val="accent1"/>
-            </a:fillRef>
-            <a:effectRef idx="0">
-              <a:schemeClr val="accent1"/>
-            </a:effectRef>
-            <a:fontRef idx="minor">
-              <a:schemeClr val="tx1"/>
-            </a:fontRef>
-          </p:style>
-        </p:cxnSp>
-      </p:grpSp>
       <p:grpSp>
         <p:nvGrpSpPr>
           <p:cNvPr id="121" name="Group 120">
@@ -5630,6 +4018,1751 @@
           </p:style>
         </p:cxnSp>
       </p:grpSp>
+      <p:grpSp>
+        <p:nvGrpSpPr>
+          <p:cNvPr id="8" name="Group 7">
+            <a:extLst>
+              <a:ext uri="{FF2B5EF4-FFF2-40B4-BE49-F238E27FC236}">
+                <a16:creationId xmlns:a16="http://schemas.microsoft.com/office/drawing/2014/main" id="{91969601-2D49-E896-DB00-C147B46D9AC7}"/>
+              </a:ext>
+            </a:extLst>
+          </p:cNvPr>
+          <p:cNvGrpSpPr/>
+          <p:nvPr/>
+        </p:nvGrpSpPr>
+        <p:grpSpPr>
+          <a:xfrm>
+            <a:off x="1499336" y="240045"/>
+            <a:ext cx="5773951" cy="5791200"/>
+            <a:chOff x="1499336" y="240045"/>
+            <a:chExt cx="5773951" cy="5791200"/>
+          </a:xfrm>
+        </p:grpSpPr>
+        <p:grpSp>
+          <p:nvGrpSpPr>
+            <p:cNvPr id="120" name="Group 119">
+              <a:extLst>
+                <a:ext uri="{FF2B5EF4-FFF2-40B4-BE49-F238E27FC236}">
+                  <a16:creationId xmlns:a16="http://schemas.microsoft.com/office/drawing/2014/main" id="{88881CFD-5C6C-5D6C-1605-F12ED5310A84}"/>
+                </a:ext>
+              </a:extLst>
+            </p:cNvPr>
+            <p:cNvGrpSpPr/>
+            <p:nvPr/>
+          </p:nvGrpSpPr>
+          <p:grpSpPr>
+            <a:xfrm>
+              <a:off x="1499336" y="240045"/>
+              <a:ext cx="5773951" cy="5791200"/>
+              <a:chOff x="3238278" y="461553"/>
+              <a:chExt cx="5773951" cy="5791200"/>
+            </a:xfrm>
+          </p:grpSpPr>
+          <p:sp>
+            <p:nvSpPr>
+              <p:cNvPr id="34" name="Flowchart: Terminator 33">
+                <a:extLst>
+                  <a:ext uri="{FF2B5EF4-FFF2-40B4-BE49-F238E27FC236}">
+                    <a16:creationId xmlns:a16="http://schemas.microsoft.com/office/drawing/2014/main" id="{147A1D5C-C7D4-5591-1DB2-9A166AEE6CF2}"/>
+                  </a:ext>
+                </a:extLst>
+              </p:cNvPr>
+              <p:cNvSpPr/>
+              <p:nvPr/>
+            </p:nvSpPr>
+            <p:spPr>
+              <a:xfrm>
+                <a:off x="5638800" y="461553"/>
+                <a:ext cx="914400" cy="301752"/>
+              </a:xfrm>
+              <a:prstGeom prst="flowChartTerminator">
+                <a:avLst/>
+              </a:prstGeom>
+              <a:noFill/>
+              <a:ln w="19050">
+                <a:solidFill>
+                  <a:schemeClr val="tx1"/>
+                </a:solidFill>
+              </a:ln>
+            </p:spPr>
+            <p:style>
+              <a:lnRef idx="2">
+                <a:schemeClr val="accent1">
+                  <a:shade val="15000"/>
+                </a:schemeClr>
+              </a:lnRef>
+              <a:fillRef idx="1">
+                <a:schemeClr val="accent1"/>
+              </a:fillRef>
+              <a:effectRef idx="0">
+                <a:schemeClr val="accent1"/>
+              </a:effectRef>
+              <a:fontRef idx="minor">
+                <a:schemeClr val="lt1"/>
+              </a:fontRef>
+            </p:style>
+            <p:txBody>
+              <a:bodyPr rtlCol="0" anchor="ctr"/>
+              <a:lstStyle/>
+              <a:p>
+                <a:pPr algn="ctr"/>
+                <a:r>
+                  <a:rPr lang="en-US" dirty="0">
+                    <a:solidFill>
+                      <a:schemeClr val="tx1"/>
+                    </a:solidFill>
+                  </a:rPr>
+                  <a:t>Start</a:t>
+                </a:r>
+                <a:endParaRPr lang="en-IN" dirty="0">
+                  <a:solidFill>
+                    <a:schemeClr val="tx1"/>
+                  </a:solidFill>
+                </a:endParaRPr>
+              </a:p>
+            </p:txBody>
+          </p:sp>
+          <p:sp>
+            <p:nvSpPr>
+              <p:cNvPr id="42" name="Flowchart: Decision 41">
+                <a:extLst>
+                  <a:ext uri="{FF2B5EF4-FFF2-40B4-BE49-F238E27FC236}">
+                    <a16:creationId xmlns:a16="http://schemas.microsoft.com/office/drawing/2014/main" id="{A3D9C0CC-A683-19D7-C0A9-2BBC57ECF254}"/>
+                  </a:ext>
+                </a:extLst>
+              </p:cNvPr>
+              <p:cNvSpPr/>
+              <p:nvPr/>
+            </p:nvSpPr>
+            <p:spPr>
+              <a:xfrm>
+                <a:off x="5142411" y="1210492"/>
+                <a:ext cx="1907178" cy="612648"/>
+              </a:xfrm>
+              <a:prstGeom prst="flowChartDecision">
+                <a:avLst/>
+              </a:prstGeom>
+              <a:noFill/>
+              <a:ln w="19050">
+                <a:solidFill>
+                  <a:schemeClr val="tx1"/>
+                </a:solidFill>
+              </a:ln>
+            </p:spPr>
+            <p:style>
+              <a:lnRef idx="2">
+                <a:schemeClr val="accent1">
+                  <a:shade val="15000"/>
+                </a:schemeClr>
+              </a:lnRef>
+              <a:fillRef idx="1">
+                <a:schemeClr val="accent1"/>
+              </a:fillRef>
+              <a:effectRef idx="0">
+                <a:schemeClr val="accent1"/>
+              </a:effectRef>
+              <a:fontRef idx="minor">
+                <a:schemeClr val="lt1"/>
+              </a:fontRef>
+            </p:style>
+            <p:txBody>
+              <a:bodyPr rtlCol="0" anchor="ctr"/>
+              <a:lstStyle/>
+              <a:p>
+                <a:pPr algn="ctr"/>
+                <a:r>
+                  <a:rPr lang="en-US" sz="1400" dirty="0">
+                    <a:solidFill>
+                      <a:schemeClr val="tx1"/>
+                    </a:solidFill>
+                  </a:rPr>
+                  <a:t>If running</a:t>
+                </a:r>
+                <a:endParaRPr lang="en-IN" sz="1400" dirty="0">
+                  <a:solidFill>
+                    <a:schemeClr val="tx1"/>
+                  </a:solidFill>
+                </a:endParaRPr>
+              </a:p>
+            </p:txBody>
+          </p:sp>
+          <p:cxnSp>
+            <p:nvCxnSpPr>
+              <p:cNvPr id="46" name="Straight Arrow Connector 45">
+                <a:extLst>
+                  <a:ext uri="{FF2B5EF4-FFF2-40B4-BE49-F238E27FC236}">
+                    <a16:creationId xmlns:a16="http://schemas.microsoft.com/office/drawing/2014/main" id="{025F7EF4-BC59-26C4-3CD1-9FD77015C2B1}"/>
+                  </a:ext>
+                </a:extLst>
+              </p:cNvPr>
+              <p:cNvCxnSpPr>
+                <a:stCxn id="34" idx="2"/>
+                <a:endCxn id="42" idx="0"/>
+              </p:cNvCxnSpPr>
+              <p:nvPr/>
+            </p:nvCxnSpPr>
+            <p:spPr>
+              <a:xfrm>
+                <a:off x="6096000" y="763305"/>
+                <a:ext cx="0" cy="447187"/>
+              </a:xfrm>
+              <a:prstGeom prst="straightConnector1">
+                <a:avLst/>
+              </a:prstGeom>
+              <a:ln w="19050">
+                <a:solidFill>
+                  <a:schemeClr val="tx1"/>
+                </a:solidFill>
+                <a:tailEnd type="triangle"/>
+              </a:ln>
+            </p:spPr>
+            <p:style>
+              <a:lnRef idx="1">
+                <a:schemeClr val="accent1"/>
+              </a:lnRef>
+              <a:fillRef idx="0">
+                <a:schemeClr val="accent1"/>
+              </a:fillRef>
+              <a:effectRef idx="0">
+                <a:schemeClr val="accent1"/>
+              </a:effectRef>
+              <a:fontRef idx="minor">
+                <a:schemeClr val="tx1"/>
+              </a:fontRef>
+            </p:style>
+          </p:cxnSp>
+          <p:grpSp>
+            <p:nvGrpSpPr>
+              <p:cNvPr id="119" name="Group 118">
+                <a:extLst>
+                  <a:ext uri="{FF2B5EF4-FFF2-40B4-BE49-F238E27FC236}">
+                    <a16:creationId xmlns:a16="http://schemas.microsoft.com/office/drawing/2014/main" id="{14C85AAE-216F-302D-7EA8-6B0661195C2A}"/>
+                  </a:ext>
+                </a:extLst>
+              </p:cNvPr>
+              <p:cNvGrpSpPr/>
+              <p:nvPr/>
+            </p:nvGrpSpPr>
+            <p:grpSpPr>
+              <a:xfrm>
+                <a:off x="7049589" y="1352877"/>
+                <a:ext cx="1962640" cy="4744428"/>
+                <a:chOff x="7049589" y="1352877"/>
+                <a:chExt cx="1962640" cy="4744428"/>
+              </a:xfrm>
+            </p:grpSpPr>
+            <p:sp>
+              <p:nvSpPr>
+                <p:cNvPr id="93" name="Flowchart: Alternate Process 92">
+                  <a:extLst>
+                    <a:ext uri="{FF2B5EF4-FFF2-40B4-BE49-F238E27FC236}">
+                      <a16:creationId xmlns:a16="http://schemas.microsoft.com/office/drawing/2014/main" id="{EF8A98A4-645E-D8B4-6801-061B34E5FEDD}"/>
+                    </a:ext>
+                  </a:extLst>
+                </p:cNvPr>
+                <p:cNvSpPr/>
+                <p:nvPr/>
+              </p:nvSpPr>
+              <p:spPr>
+                <a:xfrm>
+                  <a:off x="8284348" y="1352877"/>
+                  <a:ext cx="541362" cy="362712"/>
+                </a:xfrm>
+                <a:prstGeom prst="flowChartAlternateProcess">
+                  <a:avLst/>
+                </a:prstGeom>
+                <a:noFill/>
+                <a:ln w="19050">
+                  <a:solidFill>
+                    <a:schemeClr val="tx1"/>
+                  </a:solidFill>
+                </a:ln>
+              </p:spPr>
+              <p:style>
+                <a:lnRef idx="2">
+                  <a:schemeClr val="accent1">
+                    <a:shade val="15000"/>
+                  </a:schemeClr>
+                </a:lnRef>
+                <a:fillRef idx="1">
+                  <a:schemeClr val="accent1"/>
+                </a:fillRef>
+                <a:effectRef idx="0">
+                  <a:schemeClr val="accent1"/>
+                </a:effectRef>
+                <a:fontRef idx="minor">
+                  <a:schemeClr val="lt1"/>
+                </a:fontRef>
+              </p:style>
+              <p:txBody>
+                <a:bodyPr rtlCol="0" anchor="ctr"/>
+                <a:lstStyle/>
+                <a:p>
+                  <a:pPr algn="ctr"/>
+                  <a:r>
+                    <a:rPr lang="en-US" dirty="0">
+                      <a:solidFill>
+                        <a:schemeClr val="tx1"/>
+                      </a:solidFill>
+                    </a:rPr>
+                    <a:t>No</a:t>
+                  </a:r>
+                  <a:endParaRPr lang="en-IN" dirty="0">
+                    <a:solidFill>
+                      <a:schemeClr val="tx1"/>
+                    </a:solidFill>
+                  </a:endParaRPr>
+                </a:p>
+              </p:txBody>
+            </p:sp>
+            <p:cxnSp>
+              <p:nvCxnSpPr>
+                <p:cNvPr id="94" name="Straight Arrow Connector 93">
+                  <a:extLst>
+                    <a:ext uri="{FF2B5EF4-FFF2-40B4-BE49-F238E27FC236}">
+                      <a16:creationId xmlns:a16="http://schemas.microsoft.com/office/drawing/2014/main" id="{125110F9-7E6C-5515-6F04-6299A82F4F5A}"/>
+                    </a:ext>
+                  </a:extLst>
+                </p:cNvPr>
+                <p:cNvCxnSpPr>
+                  <a:cxnSpLocks/>
+                  <a:stCxn id="42" idx="3"/>
+                  <a:endCxn id="93" idx="1"/>
+                </p:cNvCxnSpPr>
+                <p:nvPr/>
+              </p:nvCxnSpPr>
+              <p:spPr>
+                <a:xfrm>
+                  <a:off x="7049589" y="1516816"/>
+                  <a:ext cx="1234759" cy="17417"/>
+                </a:xfrm>
+                <a:prstGeom prst="straightConnector1">
+                  <a:avLst/>
+                </a:prstGeom>
+                <a:ln w="19050">
+                  <a:solidFill>
+                    <a:schemeClr val="tx1"/>
+                  </a:solidFill>
+                  <a:tailEnd type="triangle"/>
+                </a:ln>
+              </p:spPr>
+              <p:style>
+                <a:lnRef idx="1">
+                  <a:schemeClr val="accent1"/>
+                </a:lnRef>
+                <a:fillRef idx="0">
+                  <a:schemeClr val="accent1"/>
+                </a:fillRef>
+                <a:effectRef idx="0">
+                  <a:schemeClr val="accent1"/>
+                </a:effectRef>
+                <a:fontRef idx="minor">
+                  <a:schemeClr val="tx1"/>
+                </a:fontRef>
+              </p:style>
+            </p:cxnSp>
+            <p:sp>
+              <p:nvSpPr>
+                <p:cNvPr id="97" name="Flowchart: Terminator 96">
+                  <a:extLst>
+                    <a:ext uri="{FF2B5EF4-FFF2-40B4-BE49-F238E27FC236}">
+                      <a16:creationId xmlns:a16="http://schemas.microsoft.com/office/drawing/2014/main" id="{5C5F8FCD-5C2A-767B-AC32-A6B1076B39FE}"/>
+                    </a:ext>
+                  </a:extLst>
+                </p:cNvPr>
+                <p:cNvSpPr/>
+                <p:nvPr/>
+              </p:nvSpPr>
+              <p:spPr>
+                <a:xfrm>
+                  <a:off x="8097829" y="5795553"/>
+                  <a:ext cx="914400" cy="301752"/>
+                </a:xfrm>
+                <a:prstGeom prst="flowChartTerminator">
+                  <a:avLst/>
+                </a:prstGeom>
+                <a:noFill/>
+                <a:ln w="19050">
+                  <a:solidFill>
+                    <a:schemeClr val="tx1"/>
+                  </a:solidFill>
+                </a:ln>
+              </p:spPr>
+              <p:style>
+                <a:lnRef idx="2">
+                  <a:schemeClr val="accent1">
+                    <a:shade val="15000"/>
+                  </a:schemeClr>
+                </a:lnRef>
+                <a:fillRef idx="1">
+                  <a:schemeClr val="accent1"/>
+                </a:fillRef>
+                <a:effectRef idx="0">
+                  <a:schemeClr val="accent1"/>
+                </a:effectRef>
+                <a:fontRef idx="minor">
+                  <a:schemeClr val="lt1"/>
+                </a:fontRef>
+              </p:style>
+              <p:txBody>
+                <a:bodyPr rtlCol="0" anchor="ctr"/>
+                <a:lstStyle/>
+                <a:p>
+                  <a:pPr algn="ctr"/>
+                  <a:r>
+                    <a:rPr lang="en-US" dirty="0">
+                      <a:solidFill>
+                        <a:schemeClr val="tx1"/>
+                      </a:solidFill>
+                    </a:rPr>
+                    <a:t>Stop</a:t>
+                  </a:r>
+                  <a:endParaRPr lang="en-IN" dirty="0">
+                    <a:solidFill>
+                      <a:schemeClr val="tx1"/>
+                    </a:solidFill>
+                  </a:endParaRPr>
+                </a:p>
+              </p:txBody>
+            </p:sp>
+            <p:cxnSp>
+              <p:nvCxnSpPr>
+                <p:cNvPr id="100" name="Straight Arrow Connector 99">
+                  <a:extLst>
+                    <a:ext uri="{FF2B5EF4-FFF2-40B4-BE49-F238E27FC236}">
+                      <a16:creationId xmlns:a16="http://schemas.microsoft.com/office/drawing/2014/main" id="{45CDA54F-C04A-EBAE-6B1A-61075B842BAB}"/>
+                    </a:ext>
+                  </a:extLst>
+                </p:cNvPr>
+                <p:cNvCxnSpPr>
+                  <a:cxnSpLocks/>
+                  <a:stCxn id="93" idx="2"/>
+                  <a:endCxn id="97" idx="0"/>
+                </p:cNvCxnSpPr>
+                <p:nvPr/>
+              </p:nvCxnSpPr>
+              <p:spPr>
+                <a:xfrm>
+                  <a:off x="8555029" y="1715589"/>
+                  <a:ext cx="0" cy="4079964"/>
+                </a:xfrm>
+                <a:prstGeom prst="straightConnector1">
+                  <a:avLst/>
+                </a:prstGeom>
+                <a:ln w="19050">
+                  <a:solidFill>
+                    <a:schemeClr val="tx1"/>
+                  </a:solidFill>
+                  <a:tailEnd type="triangle"/>
+                </a:ln>
+              </p:spPr>
+              <p:style>
+                <a:lnRef idx="1">
+                  <a:schemeClr val="accent1"/>
+                </a:lnRef>
+                <a:fillRef idx="0">
+                  <a:schemeClr val="accent1"/>
+                </a:fillRef>
+                <a:effectRef idx="0">
+                  <a:schemeClr val="accent1"/>
+                </a:effectRef>
+                <a:fontRef idx="minor">
+                  <a:schemeClr val="tx1"/>
+                </a:fontRef>
+              </p:style>
+            </p:cxnSp>
+          </p:grpSp>
+          <p:grpSp>
+            <p:nvGrpSpPr>
+              <p:cNvPr id="118" name="Group 117">
+                <a:extLst>
+                  <a:ext uri="{FF2B5EF4-FFF2-40B4-BE49-F238E27FC236}">
+                    <a16:creationId xmlns:a16="http://schemas.microsoft.com/office/drawing/2014/main" id="{146CBFB1-9B17-5621-FD99-BED630091156}"/>
+                  </a:ext>
+                </a:extLst>
+              </p:cNvPr>
+              <p:cNvGrpSpPr/>
+              <p:nvPr/>
+            </p:nvGrpSpPr>
+            <p:grpSpPr>
+              <a:xfrm>
+                <a:off x="3238278" y="1823140"/>
+                <a:ext cx="4843605" cy="4429613"/>
+                <a:chOff x="3238278" y="1823140"/>
+                <a:chExt cx="4843605" cy="4429613"/>
+              </a:xfrm>
+            </p:grpSpPr>
+            <p:grpSp>
+              <p:nvGrpSpPr>
+                <p:cNvPr id="117" name="Group 116">
+                  <a:extLst>
+                    <a:ext uri="{FF2B5EF4-FFF2-40B4-BE49-F238E27FC236}">
+                      <a16:creationId xmlns:a16="http://schemas.microsoft.com/office/drawing/2014/main" id="{9BC5A4A7-5CB2-F9F5-D6DC-22CF3914699E}"/>
+                    </a:ext>
+                  </a:extLst>
+                </p:cNvPr>
+                <p:cNvGrpSpPr/>
+                <p:nvPr/>
+              </p:nvGrpSpPr>
+              <p:grpSpPr>
+                <a:xfrm>
+                  <a:off x="3238278" y="2653506"/>
+                  <a:ext cx="2712720" cy="2764534"/>
+                  <a:chOff x="3238278" y="2653506"/>
+                  <a:chExt cx="2712720" cy="2764534"/>
+                </a:xfrm>
+              </p:grpSpPr>
+              <p:sp>
+                <p:nvSpPr>
+                  <p:cNvPr id="47" name="Flowchart: Process 46">
+                    <a:extLst>
+                      <a:ext uri="{FF2B5EF4-FFF2-40B4-BE49-F238E27FC236}">
+                        <a16:creationId xmlns:a16="http://schemas.microsoft.com/office/drawing/2014/main" id="{9DD3FC84-0859-2D09-611C-D3E50639F7F3}"/>
+                      </a:ext>
+                    </a:extLst>
+                  </p:cNvPr>
+                  <p:cNvSpPr/>
+                  <p:nvPr/>
+                </p:nvSpPr>
+                <p:spPr>
+                  <a:xfrm>
+                    <a:off x="3238278" y="2653506"/>
+                    <a:ext cx="2712720" cy="2764534"/>
+                  </a:xfrm>
+                  <a:prstGeom prst="flowChartProcess">
+                    <a:avLst/>
+                  </a:prstGeom>
+                  <a:noFill/>
+                  <a:ln w="19050">
+                    <a:solidFill>
+                      <a:schemeClr val="tx1"/>
+                    </a:solidFill>
+                  </a:ln>
+                </p:spPr>
+                <p:style>
+                  <a:lnRef idx="2">
+                    <a:schemeClr val="accent1">
+                      <a:shade val="15000"/>
+                    </a:schemeClr>
+                  </a:lnRef>
+                  <a:fillRef idx="1">
+                    <a:schemeClr val="accent1"/>
+                  </a:fillRef>
+                  <a:effectRef idx="0">
+                    <a:schemeClr val="accent1"/>
+                  </a:effectRef>
+                  <a:fontRef idx="minor">
+                    <a:schemeClr val="lt1"/>
+                  </a:fontRef>
+                </p:style>
+                <p:txBody>
+                  <a:bodyPr rtlCol="0" anchor="ctr"/>
+                  <a:lstStyle/>
+                  <a:p>
+                    <a:pPr algn="ctr"/>
+                    <a:endParaRPr lang="en-IN"/>
+                  </a:p>
+                </p:txBody>
+              </p:sp>
+              <p:sp>
+                <p:nvSpPr>
+                  <p:cNvPr id="50" name="Flowchart: Predefined Process 49">
+                    <a:extLst>
+                      <a:ext uri="{FF2B5EF4-FFF2-40B4-BE49-F238E27FC236}">
+                        <a16:creationId xmlns:a16="http://schemas.microsoft.com/office/drawing/2014/main" id="{B1995145-733E-BD28-59CD-7B8FEDD75672}"/>
+                      </a:ext>
+                    </a:extLst>
+                  </p:cNvPr>
+                  <p:cNvSpPr/>
+                  <p:nvPr/>
+                </p:nvSpPr>
+                <p:spPr>
+                  <a:xfrm>
+                    <a:off x="3403739" y="2812870"/>
+                    <a:ext cx="1018903" cy="612648"/>
+                  </a:xfrm>
+                  <a:prstGeom prst="flowChartPredefinedProcess">
+                    <a:avLst/>
+                  </a:prstGeom>
+                  <a:noFill/>
+                  <a:ln w="19050">
+                    <a:solidFill>
+                      <a:schemeClr val="tx1"/>
+                    </a:solidFill>
+                  </a:ln>
+                </p:spPr>
+                <p:style>
+                  <a:lnRef idx="2">
+                    <a:schemeClr val="accent1">
+                      <a:shade val="15000"/>
+                    </a:schemeClr>
+                  </a:lnRef>
+                  <a:fillRef idx="1">
+                    <a:schemeClr val="accent1"/>
+                  </a:fillRef>
+                  <a:effectRef idx="0">
+                    <a:schemeClr val="accent1"/>
+                  </a:effectRef>
+                  <a:fontRef idx="minor">
+                    <a:schemeClr val="lt1"/>
+                  </a:fontRef>
+                </p:style>
+                <p:txBody>
+                  <a:bodyPr rtlCol="0" anchor="ctr"/>
+                  <a:lstStyle/>
+                  <a:p>
+                    <a:pPr algn="ctr"/>
+                    <a:r>
+                      <a:rPr lang="en-US" sz="1100" dirty="0">
+                        <a:solidFill>
+                          <a:schemeClr val="tx1"/>
+                        </a:solidFill>
+                      </a:rPr>
+                      <a:t>Read channel</a:t>
+                    </a:r>
+                  </a:p>
+                  <a:p>
+                    <a:pPr algn="ctr"/>
+                    <a:r>
+                      <a:rPr lang="en-US" sz="1100" dirty="0">
+                        <a:solidFill>
+                          <a:schemeClr val="tx1"/>
+                        </a:solidFill>
+                      </a:rPr>
+                      <a:t>Number 3</a:t>
+                    </a:r>
+                    <a:endParaRPr lang="en-IN" sz="1100" dirty="0">
+                      <a:solidFill>
+                        <a:schemeClr val="tx1"/>
+                      </a:solidFill>
+                    </a:endParaRPr>
+                  </a:p>
+                </p:txBody>
+              </p:sp>
+              <p:sp>
+                <p:nvSpPr>
+                  <p:cNvPr id="52" name="Flowchart: Predefined Process 51">
+                    <a:extLst>
+                      <a:ext uri="{FF2B5EF4-FFF2-40B4-BE49-F238E27FC236}">
+                        <a16:creationId xmlns:a16="http://schemas.microsoft.com/office/drawing/2014/main" id="{05000CE9-D441-42FF-F448-5197F32D6DB5}"/>
+                      </a:ext>
+                    </a:extLst>
+                  </p:cNvPr>
+                  <p:cNvSpPr/>
+                  <p:nvPr/>
+                </p:nvSpPr>
+                <p:spPr>
+                  <a:xfrm>
+                    <a:off x="4766631" y="2812870"/>
+                    <a:ext cx="1018903" cy="612648"/>
+                  </a:xfrm>
+                  <a:prstGeom prst="flowChartPredefinedProcess">
+                    <a:avLst/>
+                  </a:prstGeom>
+                  <a:noFill/>
+                  <a:ln w="19050">
+                    <a:solidFill>
+                      <a:schemeClr val="tx1"/>
+                    </a:solidFill>
+                  </a:ln>
+                </p:spPr>
+                <p:style>
+                  <a:lnRef idx="2">
+                    <a:schemeClr val="accent1">
+                      <a:shade val="15000"/>
+                    </a:schemeClr>
+                  </a:lnRef>
+                  <a:fillRef idx="1">
+                    <a:schemeClr val="accent1"/>
+                  </a:fillRef>
+                  <a:effectRef idx="0">
+                    <a:schemeClr val="accent1"/>
+                  </a:effectRef>
+                  <a:fontRef idx="minor">
+                    <a:schemeClr val="lt1"/>
+                  </a:fontRef>
+                </p:style>
+                <p:txBody>
+                  <a:bodyPr rtlCol="0" anchor="ctr"/>
+                  <a:lstStyle/>
+                  <a:p>
+                    <a:pPr algn="ctr"/>
+                    <a:r>
+                      <a:rPr lang="en-US" sz="1100" dirty="0">
+                        <a:solidFill>
+                          <a:schemeClr val="tx1"/>
+                        </a:solidFill>
+                      </a:rPr>
+                      <a:t>Read channel</a:t>
+                    </a:r>
+                  </a:p>
+                  <a:p>
+                    <a:pPr algn="ctr"/>
+                    <a:r>
+                      <a:rPr lang="en-US" sz="1100" dirty="0">
+                        <a:solidFill>
+                          <a:schemeClr val="tx1"/>
+                        </a:solidFill>
+                      </a:rPr>
+                      <a:t>Number 4</a:t>
+                    </a:r>
+                    <a:endParaRPr lang="en-IN" sz="1100" dirty="0">
+                      <a:solidFill>
+                        <a:schemeClr val="tx1"/>
+                      </a:solidFill>
+                    </a:endParaRPr>
+                  </a:p>
+                </p:txBody>
+              </p:sp>
+              <p:sp>
+                <p:nvSpPr>
+                  <p:cNvPr id="54" name="Flowchart: Process 53">
+                    <a:extLst>
+                      <a:ext uri="{FF2B5EF4-FFF2-40B4-BE49-F238E27FC236}">
+                        <a16:creationId xmlns:a16="http://schemas.microsoft.com/office/drawing/2014/main" id="{E053FDCF-A096-C27F-C93E-CB2EE1FD4E38}"/>
+                      </a:ext>
+                    </a:extLst>
+                  </p:cNvPr>
+                  <p:cNvSpPr/>
+                  <p:nvPr/>
+                </p:nvSpPr>
+                <p:spPr>
+                  <a:xfrm>
+                    <a:off x="4165741" y="3660650"/>
+                    <a:ext cx="857794" cy="612649"/>
+                  </a:xfrm>
+                  <a:prstGeom prst="flowChartProcess">
+                    <a:avLst/>
+                  </a:prstGeom>
+                  <a:noFill/>
+                  <a:ln w="19050">
+                    <a:solidFill>
+                      <a:schemeClr val="tx1"/>
+                    </a:solidFill>
+                  </a:ln>
+                </p:spPr>
+                <p:style>
+                  <a:lnRef idx="2">
+                    <a:schemeClr val="accent1">
+                      <a:shade val="15000"/>
+                    </a:schemeClr>
+                  </a:lnRef>
+                  <a:fillRef idx="1">
+                    <a:schemeClr val="accent1"/>
+                  </a:fillRef>
+                  <a:effectRef idx="0">
+                    <a:schemeClr val="accent1"/>
+                  </a:effectRef>
+                  <a:fontRef idx="minor">
+                    <a:schemeClr val="lt1"/>
+                  </a:fontRef>
+                </p:style>
+                <p:txBody>
+                  <a:bodyPr rtlCol="0" anchor="ctr"/>
+                  <a:lstStyle/>
+                  <a:p>
+                    <a:pPr algn="ctr"/>
+                    <a:r>
+                      <a:rPr lang="en-US" sz="1200" dirty="0">
+                        <a:solidFill>
+                          <a:schemeClr val="tx1"/>
+                        </a:solidFill>
+                      </a:rPr>
+                      <a:t>Calculate joystick position</a:t>
+                    </a:r>
+                    <a:endParaRPr lang="en-IN" sz="1200" dirty="0">
+                      <a:solidFill>
+                        <a:schemeClr val="tx1"/>
+                      </a:solidFill>
+                    </a:endParaRPr>
+                  </a:p>
+                </p:txBody>
+              </p:sp>
+              <p:cxnSp>
+                <p:nvCxnSpPr>
+                  <p:cNvPr id="56" name="Connector: Elbow 55">
+                    <a:extLst>
+                      <a:ext uri="{FF2B5EF4-FFF2-40B4-BE49-F238E27FC236}">
+                        <a16:creationId xmlns:a16="http://schemas.microsoft.com/office/drawing/2014/main" id="{1B0BD3F4-35E6-3C44-E27B-4392488CEA8F}"/>
+                      </a:ext>
+                    </a:extLst>
+                  </p:cNvPr>
+                  <p:cNvCxnSpPr>
+                    <a:stCxn id="52" idx="2"/>
+                    <a:endCxn id="54" idx="3"/>
+                  </p:cNvCxnSpPr>
+                  <p:nvPr/>
+                </p:nvCxnSpPr>
+                <p:spPr>
+                  <a:xfrm rot="5400000">
+                    <a:off x="4879081" y="3569972"/>
+                    <a:ext cx="541457" cy="252548"/>
+                  </a:xfrm>
+                  <a:prstGeom prst="bentConnector2">
+                    <a:avLst/>
+                  </a:prstGeom>
+                  <a:ln w="19050">
+                    <a:solidFill>
+                      <a:schemeClr val="tx1"/>
+                    </a:solidFill>
+                    <a:tailEnd type="triangle"/>
+                  </a:ln>
+                </p:spPr>
+                <p:style>
+                  <a:lnRef idx="1">
+                    <a:schemeClr val="accent1"/>
+                  </a:lnRef>
+                  <a:fillRef idx="0">
+                    <a:schemeClr val="accent1"/>
+                  </a:fillRef>
+                  <a:effectRef idx="0">
+                    <a:schemeClr val="accent1"/>
+                  </a:effectRef>
+                  <a:fontRef idx="minor">
+                    <a:schemeClr val="tx1"/>
+                  </a:fontRef>
+                </p:style>
+              </p:cxnSp>
+              <p:cxnSp>
+                <p:nvCxnSpPr>
+                  <p:cNvPr id="58" name="Connector: Elbow 57">
+                    <a:extLst>
+                      <a:ext uri="{FF2B5EF4-FFF2-40B4-BE49-F238E27FC236}">
+                        <a16:creationId xmlns:a16="http://schemas.microsoft.com/office/drawing/2014/main" id="{78CB006B-31B4-8BAB-A0AF-CF947307AA1E}"/>
+                      </a:ext>
+                    </a:extLst>
+                  </p:cNvPr>
+                  <p:cNvCxnSpPr>
+                    <a:stCxn id="50" idx="2"/>
+                    <a:endCxn id="54" idx="1"/>
+                  </p:cNvCxnSpPr>
+                  <p:nvPr/>
+                </p:nvCxnSpPr>
+                <p:spPr>
+                  <a:xfrm rot="16200000" flipH="1">
+                    <a:off x="3768738" y="3569971"/>
+                    <a:ext cx="541457" cy="252550"/>
+                  </a:xfrm>
+                  <a:prstGeom prst="bentConnector2">
+                    <a:avLst/>
+                  </a:prstGeom>
+                  <a:ln w="19050">
+                    <a:solidFill>
+                      <a:schemeClr val="tx1"/>
+                    </a:solidFill>
+                    <a:tailEnd type="triangle"/>
+                  </a:ln>
+                </p:spPr>
+                <p:style>
+                  <a:lnRef idx="1">
+                    <a:schemeClr val="accent1"/>
+                  </a:lnRef>
+                  <a:fillRef idx="0">
+                    <a:schemeClr val="accent1"/>
+                  </a:fillRef>
+                  <a:effectRef idx="0">
+                    <a:schemeClr val="accent1"/>
+                  </a:effectRef>
+                  <a:fontRef idx="minor">
+                    <a:schemeClr val="tx1"/>
+                  </a:fontRef>
+                </p:style>
+              </p:cxnSp>
+              <p:sp>
+                <p:nvSpPr>
+                  <p:cNvPr id="60" name="Flowchart: Process 59">
+                    <a:extLst>
+                      <a:ext uri="{FF2B5EF4-FFF2-40B4-BE49-F238E27FC236}">
+                        <a16:creationId xmlns:a16="http://schemas.microsoft.com/office/drawing/2014/main" id="{51BC0011-CE04-E65D-B9EE-2C1E17424207}"/>
+                      </a:ext>
+                    </a:extLst>
+                  </p:cNvPr>
+                  <p:cNvSpPr/>
+                  <p:nvPr/>
+                </p:nvSpPr>
+                <p:spPr>
+                  <a:xfrm>
+                    <a:off x="3913192" y="4582234"/>
+                    <a:ext cx="1362892" cy="612649"/>
+                  </a:xfrm>
+                  <a:prstGeom prst="flowChartProcess">
+                    <a:avLst/>
+                  </a:prstGeom>
+                  <a:noFill/>
+                  <a:ln w="19050">
+                    <a:solidFill>
+                      <a:schemeClr val="tx1"/>
+                    </a:solidFill>
+                  </a:ln>
+                </p:spPr>
+                <p:style>
+                  <a:lnRef idx="2">
+                    <a:schemeClr val="accent1">
+                      <a:shade val="15000"/>
+                    </a:schemeClr>
+                  </a:lnRef>
+                  <a:fillRef idx="1">
+                    <a:schemeClr val="accent1"/>
+                  </a:fillRef>
+                  <a:effectRef idx="0">
+                    <a:schemeClr val="accent1"/>
+                  </a:effectRef>
+                  <a:fontRef idx="minor">
+                    <a:schemeClr val="lt1"/>
+                  </a:fontRef>
+                </p:style>
+                <p:txBody>
+                  <a:bodyPr rtlCol="0" anchor="ctr"/>
+                  <a:lstStyle/>
+                  <a:p>
+                    <a:pPr algn="ctr"/>
+                    <a:r>
+                      <a:rPr lang="en-US" sz="1200" dirty="0">
+                        <a:solidFill>
+                          <a:schemeClr val="tx1"/>
+                        </a:solidFill>
+                      </a:rPr>
+                      <a:t>Set speed of horizontal motors using position</a:t>
+                    </a:r>
+                    <a:endParaRPr lang="en-IN" sz="1200" dirty="0">
+                      <a:solidFill>
+                        <a:schemeClr val="tx1"/>
+                      </a:solidFill>
+                    </a:endParaRPr>
+                  </a:p>
+                </p:txBody>
+              </p:sp>
+              <p:cxnSp>
+                <p:nvCxnSpPr>
+                  <p:cNvPr id="62" name="Straight Arrow Connector 61">
+                    <a:extLst>
+                      <a:ext uri="{FF2B5EF4-FFF2-40B4-BE49-F238E27FC236}">
+                        <a16:creationId xmlns:a16="http://schemas.microsoft.com/office/drawing/2014/main" id="{3DFC620B-7209-5A27-C6E0-6ED09425E883}"/>
+                      </a:ext>
+                    </a:extLst>
+                  </p:cNvPr>
+                  <p:cNvCxnSpPr>
+                    <a:cxnSpLocks/>
+                    <a:stCxn id="54" idx="2"/>
+                    <a:endCxn id="60" idx="0"/>
+                  </p:cNvCxnSpPr>
+                  <p:nvPr/>
+                </p:nvCxnSpPr>
+                <p:spPr>
+                  <a:xfrm>
+                    <a:off x="4594638" y="4273299"/>
+                    <a:ext cx="0" cy="308935"/>
+                  </a:xfrm>
+                  <a:prstGeom prst="straightConnector1">
+                    <a:avLst/>
+                  </a:prstGeom>
+                  <a:ln w="19050">
+                    <a:solidFill>
+                      <a:schemeClr val="tx1"/>
+                    </a:solidFill>
+                    <a:tailEnd type="triangle"/>
+                  </a:ln>
+                </p:spPr>
+                <p:style>
+                  <a:lnRef idx="1">
+                    <a:schemeClr val="accent1"/>
+                  </a:lnRef>
+                  <a:fillRef idx="0">
+                    <a:schemeClr val="accent1"/>
+                  </a:fillRef>
+                  <a:effectRef idx="0">
+                    <a:schemeClr val="accent1"/>
+                  </a:effectRef>
+                  <a:fontRef idx="minor">
+                    <a:schemeClr val="tx1"/>
+                  </a:fontRef>
+                </p:style>
+              </p:cxnSp>
+            </p:grpSp>
+            <p:sp>
+              <p:nvSpPr>
+                <p:cNvPr id="71" name="Flowchart: Alternate Process 70">
+                  <a:extLst>
+                    <a:ext uri="{FF2B5EF4-FFF2-40B4-BE49-F238E27FC236}">
+                      <a16:creationId xmlns:a16="http://schemas.microsoft.com/office/drawing/2014/main" id="{9B3E4333-F277-D430-F7B5-0398D886B76D}"/>
+                    </a:ext>
+                  </a:extLst>
+                </p:cNvPr>
+                <p:cNvSpPr/>
+                <p:nvPr/>
+              </p:nvSpPr>
+              <p:spPr>
+                <a:xfrm>
+                  <a:off x="5825319" y="2039550"/>
+                  <a:ext cx="541362" cy="362712"/>
+                </a:xfrm>
+                <a:prstGeom prst="flowChartAlternateProcess">
+                  <a:avLst/>
+                </a:prstGeom>
+                <a:noFill/>
+                <a:ln w="19050">
+                  <a:solidFill>
+                    <a:schemeClr val="tx1"/>
+                  </a:solidFill>
+                </a:ln>
+              </p:spPr>
+              <p:style>
+                <a:lnRef idx="2">
+                  <a:schemeClr val="accent1">
+                    <a:shade val="15000"/>
+                  </a:schemeClr>
+                </a:lnRef>
+                <a:fillRef idx="1">
+                  <a:schemeClr val="accent1"/>
+                </a:fillRef>
+                <a:effectRef idx="0">
+                  <a:schemeClr val="accent1"/>
+                </a:effectRef>
+                <a:fontRef idx="minor">
+                  <a:schemeClr val="lt1"/>
+                </a:fontRef>
+              </p:style>
+              <p:txBody>
+                <a:bodyPr rtlCol="0" anchor="ctr"/>
+                <a:lstStyle/>
+                <a:p>
+                  <a:pPr algn="ctr"/>
+                  <a:r>
+                    <a:rPr lang="en-US" dirty="0">
+                      <a:solidFill>
+                        <a:schemeClr val="tx1"/>
+                      </a:solidFill>
+                    </a:rPr>
+                    <a:t>Yes</a:t>
+                  </a:r>
+                  <a:endParaRPr lang="en-IN" dirty="0">
+                    <a:solidFill>
+                      <a:schemeClr val="tx1"/>
+                    </a:solidFill>
+                  </a:endParaRPr>
+                </a:p>
+              </p:txBody>
+            </p:sp>
+            <p:cxnSp>
+              <p:nvCxnSpPr>
+                <p:cNvPr id="73" name="Straight Arrow Connector 72">
+                  <a:extLst>
+                    <a:ext uri="{FF2B5EF4-FFF2-40B4-BE49-F238E27FC236}">
+                      <a16:creationId xmlns:a16="http://schemas.microsoft.com/office/drawing/2014/main" id="{AC094B8F-9939-D14D-292B-5625B1DA7A04}"/>
+                    </a:ext>
+                  </a:extLst>
+                </p:cNvPr>
+                <p:cNvCxnSpPr>
+                  <a:stCxn id="42" idx="2"/>
+                  <a:endCxn id="71" idx="0"/>
+                </p:cNvCxnSpPr>
+                <p:nvPr/>
+              </p:nvCxnSpPr>
+              <p:spPr>
+                <a:xfrm>
+                  <a:off x="6096000" y="1823140"/>
+                  <a:ext cx="0" cy="216410"/>
+                </a:xfrm>
+                <a:prstGeom prst="straightConnector1">
+                  <a:avLst/>
+                </a:prstGeom>
+                <a:ln w="19050">
+                  <a:solidFill>
+                    <a:schemeClr val="tx1"/>
+                  </a:solidFill>
+                  <a:tailEnd type="triangle"/>
+                </a:ln>
+              </p:spPr>
+              <p:style>
+                <a:lnRef idx="1">
+                  <a:schemeClr val="accent1"/>
+                </a:lnRef>
+                <a:fillRef idx="0">
+                  <a:schemeClr val="accent1"/>
+                </a:fillRef>
+                <a:effectRef idx="0">
+                  <a:schemeClr val="accent1"/>
+                </a:effectRef>
+                <a:fontRef idx="minor">
+                  <a:schemeClr val="tx1"/>
+                </a:fontRef>
+              </p:style>
+            </p:cxnSp>
+            <p:cxnSp>
+              <p:nvCxnSpPr>
+                <p:cNvPr id="75" name="Connector: Elbow 74">
+                  <a:extLst>
+                    <a:ext uri="{FF2B5EF4-FFF2-40B4-BE49-F238E27FC236}">
+                      <a16:creationId xmlns:a16="http://schemas.microsoft.com/office/drawing/2014/main" id="{E4B589C2-C4DC-1571-7D00-F04DB40FD88E}"/>
+                    </a:ext>
+                  </a:extLst>
+                </p:cNvPr>
+                <p:cNvCxnSpPr>
+                  <a:stCxn id="71" idx="2"/>
+                  <a:endCxn id="47" idx="0"/>
+                </p:cNvCxnSpPr>
+                <p:nvPr/>
+              </p:nvCxnSpPr>
+              <p:spPr>
+                <a:xfrm rot="5400000">
+                  <a:off x="5219697" y="1777203"/>
+                  <a:ext cx="251244" cy="1501362"/>
+                </a:xfrm>
+                <a:prstGeom prst="bentConnector3">
+                  <a:avLst/>
+                </a:prstGeom>
+                <a:ln w="19050">
+                  <a:solidFill>
+                    <a:schemeClr val="tx1"/>
+                  </a:solidFill>
+                  <a:tailEnd type="triangle"/>
+                </a:ln>
+              </p:spPr>
+              <p:style>
+                <a:lnRef idx="1">
+                  <a:schemeClr val="accent1"/>
+                </a:lnRef>
+                <a:fillRef idx="0">
+                  <a:schemeClr val="accent1"/>
+                </a:fillRef>
+                <a:effectRef idx="0">
+                  <a:schemeClr val="accent1"/>
+                </a:effectRef>
+                <a:fontRef idx="minor">
+                  <a:schemeClr val="tx1"/>
+                </a:fontRef>
+              </p:style>
+            </p:cxnSp>
+            <p:grpSp>
+              <p:nvGrpSpPr>
+                <p:cNvPr id="116" name="Group 115">
+                  <a:extLst>
+                    <a:ext uri="{FF2B5EF4-FFF2-40B4-BE49-F238E27FC236}">
+                      <a16:creationId xmlns:a16="http://schemas.microsoft.com/office/drawing/2014/main" id="{E3B20D92-A7CA-92ED-D4CE-20A9CC6BED0A}"/>
+                    </a:ext>
+                  </a:extLst>
+                </p:cNvPr>
+                <p:cNvGrpSpPr/>
+                <p:nvPr/>
+              </p:nvGrpSpPr>
+              <p:grpSpPr>
+                <a:xfrm>
+                  <a:off x="6268323" y="2653506"/>
+                  <a:ext cx="1813560" cy="2764534"/>
+                  <a:chOff x="6268323" y="2653506"/>
+                  <a:chExt cx="1813560" cy="2764534"/>
+                </a:xfrm>
+              </p:grpSpPr>
+              <p:sp>
+                <p:nvSpPr>
+                  <p:cNvPr id="77" name="Flowchart: Process 76">
+                    <a:extLst>
+                      <a:ext uri="{FF2B5EF4-FFF2-40B4-BE49-F238E27FC236}">
+                        <a16:creationId xmlns:a16="http://schemas.microsoft.com/office/drawing/2014/main" id="{478EBAC5-5C25-AB6E-4D7E-1C2AB9C03167}"/>
+                      </a:ext>
+                    </a:extLst>
+                  </p:cNvPr>
+                  <p:cNvSpPr/>
+                  <p:nvPr/>
+                </p:nvSpPr>
+                <p:spPr>
+                  <a:xfrm>
+                    <a:off x="6268323" y="2653506"/>
+                    <a:ext cx="1813560" cy="2764534"/>
+                  </a:xfrm>
+                  <a:prstGeom prst="flowChartProcess">
+                    <a:avLst/>
+                  </a:prstGeom>
+                  <a:noFill/>
+                  <a:ln w="19050">
+                    <a:solidFill>
+                      <a:schemeClr val="tx1"/>
+                    </a:solidFill>
+                  </a:ln>
+                </p:spPr>
+                <p:style>
+                  <a:lnRef idx="2">
+                    <a:schemeClr val="accent1">
+                      <a:shade val="15000"/>
+                    </a:schemeClr>
+                  </a:lnRef>
+                  <a:fillRef idx="1">
+                    <a:schemeClr val="accent1"/>
+                  </a:fillRef>
+                  <a:effectRef idx="0">
+                    <a:schemeClr val="accent1"/>
+                  </a:effectRef>
+                  <a:fontRef idx="minor">
+                    <a:schemeClr val="lt1"/>
+                  </a:fontRef>
+                </p:style>
+                <p:txBody>
+                  <a:bodyPr rtlCol="0" anchor="ctr"/>
+                  <a:lstStyle/>
+                  <a:p>
+                    <a:pPr algn="ctr"/>
+                    <a:endParaRPr lang="en-IN"/>
+                  </a:p>
+                </p:txBody>
+              </p:sp>
+              <p:sp>
+                <p:nvSpPr>
+                  <p:cNvPr id="78" name="Flowchart: Predefined Process 77">
+                    <a:extLst>
+                      <a:ext uri="{FF2B5EF4-FFF2-40B4-BE49-F238E27FC236}">
+                        <a16:creationId xmlns:a16="http://schemas.microsoft.com/office/drawing/2014/main" id="{1619359D-38D0-6842-FD18-B5B9BF84732C}"/>
+                      </a:ext>
+                    </a:extLst>
+                  </p:cNvPr>
+                  <p:cNvSpPr/>
+                  <p:nvPr/>
+                </p:nvSpPr>
+                <p:spPr>
+                  <a:xfrm>
+                    <a:off x="6660207" y="2812870"/>
+                    <a:ext cx="1018903" cy="612648"/>
+                  </a:xfrm>
+                  <a:prstGeom prst="flowChartPredefinedProcess">
+                    <a:avLst/>
+                  </a:prstGeom>
+                  <a:noFill/>
+                  <a:ln w="19050">
+                    <a:solidFill>
+                      <a:schemeClr val="tx1"/>
+                    </a:solidFill>
+                  </a:ln>
+                </p:spPr>
+                <p:style>
+                  <a:lnRef idx="2">
+                    <a:schemeClr val="accent1">
+                      <a:shade val="15000"/>
+                    </a:schemeClr>
+                  </a:lnRef>
+                  <a:fillRef idx="1">
+                    <a:schemeClr val="accent1"/>
+                  </a:fillRef>
+                  <a:effectRef idx="0">
+                    <a:schemeClr val="accent1"/>
+                  </a:effectRef>
+                  <a:fontRef idx="minor">
+                    <a:schemeClr val="lt1"/>
+                  </a:fontRef>
+                </p:style>
+                <p:txBody>
+                  <a:bodyPr rtlCol="0" anchor="ctr"/>
+                  <a:lstStyle/>
+                  <a:p>
+                    <a:pPr algn="ctr"/>
+                    <a:r>
+                      <a:rPr lang="en-US" sz="1100" dirty="0">
+                        <a:solidFill>
+                          <a:schemeClr val="tx1"/>
+                        </a:solidFill>
+                      </a:rPr>
+                      <a:t>Read channel</a:t>
+                    </a:r>
+                  </a:p>
+                  <a:p>
+                    <a:pPr algn="ctr"/>
+                    <a:r>
+                      <a:rPr lang="en-US" sz="1100" dirty="0">
+                        <a:solidFill>
+                          <a:schemeClr val="tx1"/>
+                        </a:solidFill>
+                      </a:rPr>
+                      <a:t>Number 6</a:t>
+                    </a:r>
+                    <a:endParaRPr lang="en-IN" sz="1100" dirty="0">
+                      <a:solidFill>
+                        <a:schemeClr val="tx1"/>
+                      </a:solidFill>
+                    </a:endParaRPr>
+                  </a:p>
+                </p:txBody>
+              </p:sp>
+              <p:sp>
+                <p:nvSpPr>
+                  <p:cNvPr id="83" name="Flowchart: Process 82">
+                    <a:extLst>
+                      <a:ext uri="{FF2B5EF4-FFF2-40B4-BE49-F238E27FC236}">
+                        <a16:creationId xmlns:a16="http://schemas.microsoft.com/office/drawing/2014/main" id="{15DE207C-3F89-D88E-92EB-52E1E70763BF}"/>
+                      </a:ext>
+                    </a:extLst>
+                  </p:cNvPr>
+                  <p:cNvSpPr/>
+                  <p:nvPr/>
+                </p:nvSpPr>
+                <p:spPr>
+                  <a:xfrm>
+                    <a:off x="6488212" y="4582234"/>
+                    <a:ext cx="1362892" cy="612649"/>
+                  </a:xfrm>
+                  <a:prstGeom prst="flowChartProcess">
+                    <a:avLst/>
+                  </a:prstGeom>
+                  <a:noFill/>
+                  <a:ln w="19050">
+                    <a:solidFill>
+                      <a:schemeClr val="tx1"/>
+                    </a:solidFill>
+                  </a:ln>
+                </p:spPr>
+                <p:style>
+                  <a:lnRef idx="2">
+                    <a:schemeClr val="accent1">
+                      <a:shade val="15000"/>
+                    </a:schemeClr>
+                  </a:lnRef>
+                  <a:fillRef idx="1">
+                    <a:schemeClr val="accent1"/>
+                  </a:fillRef>
+                  <a:effectRef idx="0">
+                    <a:schemeClr val="accent1"/>
+                  </a:effectRef>
+                  <a:fontRef idx="minor">
+                    <a:schemeClr val="lt1"/>
+                  </a:fontRef>
+                </p:style>
+                <p:txBody>
+                  <a:bodyPr rtlCol="0" anchor="ctr"/>
+                  <a:lstStyle/>
+                  <a:p>
+                    <a:pPr algn="ctr"/>
+                    <a:r>
+                      <a:rPr lang="en-US" sz="1200" dirty="0">
+                        <a:solidFill>
+                          <a:schemeClr val="tx1"/>
+                        </a:solidFill>
+                      </a:rPr>
+                      <a:t>Set speed of vertical motors using position</a:t>
+                    </a:r>
+                    <a:endParaRPr lang="en-IN" sz="1200" dirty="0">
+                      <a:solidFill>
+                        <a:schemeClr val="tx1"/>
+                      </a:solidFill>
+                    </a:endParaRPr>
+                  </a:p>
+                </p:txBody>
+              </p:sp>
+              <p:cxnSp>
+                <p:nvCxnSpPr>
+                  <p:cNvPr id="84" name="Straight Arrow Connector 83">
+                    <a:extLst>
+                      <a:ext uri="{FF2B5EF4-FFF2-40B4-BE49-F238E27FC236}">
+                        <a16:creationId xmlns:a16="http://schemas.microsoft.com/office/drawing/2014/main" id="{54B1F383-11FC-7367-5511-26290545CE27}"/>
+                      </a:ext>
+                    </a:extLst>
+                  </p:cNvPr>
+                  <p:cNvCxnSpPr>
+                    <a:cxnSpLocks/>
+                    <a:stCxn id="78" idx="2"/>
+                    <a:endCxn id="2" idx="0"/>
+                  </p:cNvCxnSpPr>
+                  <p:nvPr/>
+                </p:nvCxnSpPr>
+                <p:spPr>
+                  <a:xfrm>
+                    <a:off x="7169659" y="3425518"/>
+                    <a:ext cx="5027" cy="400486"/>
+                  </a:xfrm>
+                  <a:prstGeom prst="straightConnector1">
+                    <a:avLst/>
+                  </a:prstGeom>
+                  <a:ln w="19050">
+                    <a:solidFill>
+                      <a:schemeClr val="tx1"/>
+                    </a:solidFill>
+                    <a:tailEnd type="triangle"/>
+                  </a:ln>
+                </p:spPr>
+                <p:style>
+                  <a:lnRef idx="1">
+                    <a:schemeClr val="accent1"/>
+                  </a:lnRef>
+                  <a:fillRef idx="0">
+                    <a:schemeClr val="accent1"/>
+                  </a:fillRef>
+                  <a:effectRef idx="0">
+                    <a:schemeClr val="accent1"/>
+                  </a:effectRef>
+                  <a:fontRef idx="minor">
+                    <a:schemeClr val="tx1"/>
+                  </a:fontRef>
+                </p:style>
+              </p:cxnSp>
+            </p:grpSp>
+            <p:cxnSp>
+              <p:nvCxnSpPr>
+                <p:cNvPr id="88" name="Connector: Elbow 87">
+                  <a:extLst>
+                    <a:ext uri="{FF2B5EF4-FFF2-40B4-BE49-F238E27FC236}">
+                      <a16:creationId xmlns:a16="http://schemas.microsoft.com/office/drawing/2014/main" id="{16D8A3CB-6FC5-96A7-3918-05350745FB5D}"/>
+                    </a:ext>
+                  </a:extLst>
+                </p:cNvPr>
+                <p:cNvCxnSpPr>
+                  <a:cxnSpLocks/>
+                  <a:stCxn id="71" idx="2"/>
+                  <a:endCxn id="77" idx="0"/>
+                </p:cNvCxnSpPr>
+                <p:nvPr/>
+              </p:nvCxnSpPr>
+              <p:spPr>
+                <a:xfrm rot="16200000" flipH="1">
+                  <a:off x="6509929" y="1988332"/>
+                  <a:ext cx="251244" cy="1079103"/>
+                </a:xfrm>
+                <a:prstGeom prst="bentConnector3">
+                  <a:avLst>
+                    <a:gd name="adj1" fmla="val 50000"/>
+                  </a:avLst>
+                </a:prstGeom>
+                <a:ln w="19050">
+                  <a:solidFill>
+                    <a:schemeClr val="tx1"/>
+                  </a:solidFill>
+                  <a:tailEnd type="triangle"/>
+                </a:ln>
+              </p:spPr>
+              <p:style>
+                <a:lnRef idx="1">
+                  <a:schemeClr val="accent1"/>
+                </a:lnRef>
+                <a:fillRef idx="0">
+                  <a:schemeClr val="accent1"/>
+                </a:fillRef>
+                <a:effectRef idx="0">
+                  <a:schemeClr val="accent1"/>
+                </a:effectRef>
+                <a:fontRef idx="minor">
+                  <a:schemeClr val="tx1"/>
+                </a:fontRef>
+              </p:style>
+            </p:cxnSp>
+            <p:sp>
+              <p:nvSpPr>
+                <p:cNvPr id="107" name="Flowchart: Process 106">
+                  <a:extLst>
+                    <a:ext uri="{FF2B5EF4-FFF2-40B4-BE49-F238E27FC236}">
+                      <a16:creationId xmlns:a16="http://schemas.microsoft.com/office/drawing/2014/main" id="{305D4C57-DB54-EA6E-D86A-46F1F47DB0CB}"/>
+                    </a:ext>
+                  </a:extLst>
+                </p:cNvPr>
+                <p:cNvSpPr/>
+                <p:nvPr/>
+              </p:nvSpPr>
+              <p:spPr>
+                <a:xfrm>
+                  <a:off x="5638799" y="5640105"/>
+                  <a:ext cx="914400" cy="612648"/>
+                </a:xfrm>
+                <a:prstGeom prst="flowChartProcess">
+                  <a:avLst/>
+                </a:prstGeom>
+                <a:noFill/>
+                <a:ln w="19050">
+                  <a:solidFill>
+                    <a:schemeClr val="tx1"/>
+                  </a:solidFill>
+                </a:ln>
+              </p:spPr>
+              <p:style>
+                <a:lnRef idx="2">
+                  <a:schemeClr val="accent1">
+                    <a:shade val="15000"/>
+                  </a:schemeClr>
+                </a:lnRef>
+                <a:fillRef idx="1">
+                  <a:schemeClr val="accent1"/>
+                </a:fillRef>
+                <a:effectRef idx="0">
+                  <a:schemeClr val="accent1"/>
+                </a:effectRef>
+                <a:fontRef idx="minor">
+                  <a:schemeClr val="lt1"/>
+                </a:fontRef>
+              </p:style>
+              <p:txBody>
+                <a:bodyPr rtlCol="0" anchor="ctr"/>
+                <a:lstStyle/>
+                <a:p>
+                  <a:pPr algn="ctr"/>
+                  <a:r>
+                    <a:rPr lang="en-US" sz="1200" dirty="0">
+                      <a:solidFill>
+                        <a:schemeClr val="tx1"/>
+                      </a:solidFill>
+                    </a:rPr>
+                    <a:t>Wait until processes</a:t>
+                  </a:r>
+                </a:p>
+                <a:p>
+                  <a:pPr algn="ctr"/>
+                  <a:r>
+                    <a:rPr lang="en-US" sz="1200" dirty="0">
+                      <a:solidFill>
+                        <a:schemeClr val="tx1"/>
+                      </a:solidFill>
+                    </a:rPr>
+                    <a:t>complete </a:t>
+                  </a:r>
+                  <a:endParaRPr lang="en-IN" sz="1200" dirty="0">
+                    <a:solidFill>
+                      <a:schemeClr val="tx1"/>
+                    </a:solidFill>
+                  </a:endParaRPr>
+                </a:p>
+              </p:txBody>
+            </p:sp>
+            <p:cxnSp>
+              <p:nvCxnSpPr>
+                <p:cNvPr id="109" name="Connector: Elbow 108">
+                  <a:extLst>
+                    <a:ext uri="{FF2B5EF4-FFF2-40B4-BE49-F238E27FC236}">
+                      <a16:creationId xmlns:a16="http://schemas.microsoft.com/office/drawing/2014/main" id="{75822C43-43D7-AB9D-DDC7-5BDF126AC030}"/>
+                    </a:ext>
+                  </a:extLst>
+                </p:cNvPr>
+                <p:cNvCxnSpPr>
+                  <a:stCxn id="47" idx="2"/>
+                  <a:endCxn id="107" idx="1"/>
+                </p:cNvCxnSpPr>
+                <p:nvPr/>
+              </p:nvCxnSpPr>
+              <p:spPr>
+                <a:xfrm rot="16200000" flipH="1">
+                  <a:off x="4852524" y="5160153"/>
+                  <a:ext cx="528389" cy="1044161"/>
+                </a:xfrm>
+                <a:prstGeom prst="bentConnector2">
+                  <a:avLst/>
+                </a:prstGeom>
+                <a:ln w="19050">
+                  <a:solidFill>
+                    <a:schemeClr val="tx1"/>
+                  </a:solidFill>
+                  <a:tailEnd type="triangle"/>
+                </a:ln>
+              </p:spPr>
+              <p:style>
+                <a:lnRef idx="1">
+                  <a:schemeClr val="accent1"/>
+                </a:lnRef>
+                <a:fillRef idx="0">
+                  <a:schemeClr val="accent1"/>
+                </a:fillRef>
+                <a:effectRef idx="0">
+                  <a:schemeClr val="accent1"/>
+                </a:effectRef>
+                <a:fontRef idx="minor">
+                  <a:schemeClr val="tx1"/>
+                </a:fontRef>
+              </p:style>
+            </p:cxnSp>
+            <p:cxnSp>
+              <p:nvCxnSpPr>
+                <p:cNvPr id="111" name="Connector: Elbow 110">
+                  <a:extLst>
+                    <a:ext uri="{FF2B5EF4-FFF2-40B4-BE49-F238E27FC236}">
+                      <a16:creationId xmlns:a16="http://schemas.microsoft.com/office/drawing/2014/main" id="{DC1BC850-5624-99A6-94D2-DF7CF6E7DBB7}"/>
+                    </a:ext>
+                  </a:extLst>
+                </p:cNvPr>
+                <p:cNvCxnSpPr>
+                  <a:cxnSpLocks/>
+                  <a:stCxn id="77" idx="2"/>
+                  <a:endCxn id="107" idx="3"/>
+                </p:cNvCxnSpPr>
+                <p:nvPr/>
+              </p:nvCxnSpPr>
+              <p:spPr>
+                <a:xfrm rot="5400000">
+                  <a:off x="6599957" y="5371282"/>
+                  <a:ext cx="528389" cy="621904"/>
+                </a:xfrm>
+                <a:prstGeom prst="bentConnector2">
+                  <a:avLst/>
+                </a:prstGeom>
+                <a:ln w="19050">
+                  <a:solidFill>
+                    <a:schemeClr val="tx1"/>
+                  </a:solidFill>
+                  <a:tailEnd type="triangle"/>
+                </a:ln>
+              </p:spPr>
+              <p:style>
+                <a:lnRef idx="1">
+                  <a:schemeClr val="accent1"/>
+                </a:lnRef>
+                <a:fillRef idx="0">
+                  <a:schemeClr val="accent1"/>
+                </a:fillRef>
+                <a:effectRef idx="0">
+                  <a:schemeClr val="accent1"/>
+                </a:effectRef>
+                <a:fontRef idx="minor">
+                  <a:schemeClr val="tx1"/>
+                </a:fontRef>
+              </p:style>
+            </p:cxnSp>
+          </p:grpSp>
+          <p:cxnSp>
+            <p:nvCxnSpPr>
+              <p:cNvPr id="113" name="Connector: Elbow 112">
+                <a:extLst>
+                  <a:ext uri="{FF2B5EF4-FFF2-40B4-BE49-F238E27FC236}">
+                    <a16:creationId xmlns:a16="http://schemas.microsoft.com/office/drawing/2014/main" id="{4B6D1B4B-3A9A-9CF7-28F1-AB33A2FE86F5}"/>
+                  </a:ext>
+                </a:extLst>
+              </p:cNvPr>
+              <p:cNvCxnSpPr>
+                <a:stCxn id="107" idx="2"/>
+                <a:endCxn id="42" idx="1"/>
+              </p:cNvCxnSpPr>
+              <p:nvPr/>
+            </p:nvCxnSpPr>
+            <p:spPr>
+              <a:xfrm rot="5400000" flipH="1">
+                <a:off x="3251236" y="3407991"/>
+                <a:ext cx="4735937" cy="953588"/>
+              </a:xfrm>
+              <a:prstGeom prst="bentConnector4">
+                <a:avLst>
+                  <a:gd name="adj1" fmla="val -4827"/>
+                  <a:gd name="adj2" fmla="val 336908"/>
+                </a:avLst>
+              </a:prstGeom>
+              <a:ln w="19050">
+                <a:solidFill>
+                  <a:schemeClr val="tx1"/>
+                </a:solidFill>
+                <a:tailEnd type="triangle"/>
+              </a:ln>
+            </p:spPr>
+            <p:style>
+              <a:lnRef idx="1">
+                <a:schemeClr val="accent1"/>
+              </a:lnRef>
+              <a:fillRef idx="0">
+                <a:schemeClr val="accent1"/>
+              </a:fillRef>
+              <a:effectRef idx="0">
+                <a:schemeClr val="accent1"/>
+              </a:effectRef>
+              <a:fontRef idx="minor">
+                <a:schemeClr val="tx1"/>
+              </a:fontRef>
+            </p:style>
+          </p:cxnSp>
+        </p:grpSp>
+        <p:sp>
+          <p:nvSpPr>
+            <p:cNvPr id="2" name="Flowchart: Process 1">
+              <a:extLst>
+                <a:ext uri="{FF2B5EF4-FFF2-40B4-BE49-F238E27FC236}">
+                  <a16:creationId xmlns:a16="http://schemas.microsoft.com/office/drawing/2014/main" id="{A4C44F5C-EE55-61A8-F2EA-0ED54ADB3404}"/>
+                </a:ext>
+              </a:extLst>
+            </p:cNvPr>
+            <p:cNvSpPr/>
+            <p:nvPr/>
+          </p:nvSpPr>
+          <p:spPr>
+            <a:xfrm>
+              <a:off x="4931321" y="3604496"/>
+              <a:ext cx="1008846" cy="453498"/>
+            </a:xfrm>
+            <a:prstGeom prst="flowChartProcess">
+              <a:avLst/>
+            </a:prstGeom>
+            <a:noFill/>
+            <a:ln w="19050">
+              <a:solidFill>
+                <a:schemeClr val="tx1"/>
+              </a:solidFill>
+            </a:ln>
+          </p:spPr>
+          <p:style>
+            <a:lnRef idx="2">
+              <a:schemeClr val="accent1">
+                <a:shade val="15000"/>
+              </a:schemeClr>
+            </a:lnRef>
+            <a:fillRef idx="1">
+              <a:schemeClr val="accent1"/>
+            </a:fillRef>
+            <a:effectRef idx="0">
+              <a:schemeClr val="accent1"/>
+            </a:effectRef>
+            <a:fontRef idx="minor">
+              <a:schemeClr val="lt1"/>
+            </a:fontRef>
+          </p:style>
+          <p:txBody>
+            <a:bodyPr rtlCol="0" anchor="ctr"/>
+            <a:lstStyle/>
+            <a:p>
+              <a:pPr algn="ctr"/>
+              <a:r>
+                <a:rPr lang="en-US" sz="1200" dirty="0">
+                  <a:solidFill>
+                    <a:schemeClr val="tx1"/>
+                  </a:solidFill>
+                </a:rPr>
+                <a:t>Perform PID</a:t>
+              </a:r>
+              <a:endParaRPr lang="en-IN" sz="1200" dirty="0">
+                <a:solidFill>
+                  <a:schemeClr val="tx1"/>
+                </a:solidFill>
+              </a:endParaRPr>
+            </a:p>
+          </p:txBody>
+        </p:sp>
+        <p:cxnSp>
+          <p:nvCxnSpPr>
+            <p:cNvPr id="5" name="Straight Arrow Connector 4">
+              <a:extLst>
+                <a:ext uri="{FF2B5EF4-FFF2-40B4-BE49-F238E27FC236}">
+                  <a16:creationId xmlns:a16="http://schemas.microsoft.com/office/drawing/2014/main" id="{6AFC89CC-0356-AB72-89BF-9DBA897FF60B}"/>
+                </a:ext>
+              </a:extLst>
+            </p:cNvPr>
+            <p:cNvCxnSpPr>
+              <a:cxnSpLocks/>
+              <a:stCxn id="2" idx="2"/>
+              <a:endCxn id="83" idx="0"/>
+            </p:cNvCxnSpPr>
+            <p:nvPr/>
+          </p:nvCxnSpPr>
+          <p:spPr>
+            <a:xfrm flipH="1">
+              <a:off x="5430716" y="4057994"/>
+              <a:ext cx="5028" cy="302732"/>
+            </a:xfrm>
+            <a:prstGeom prst="straightConnector1">
+              <a:avLst/>
+            </a:prstGeom>
+            <a:ln w="12700">
+              <a:tailEnd type="triangle"/>
+            </a:ln>
+          </p:spPr>
+          <p:style>
+            <a:lnRef idx="1">
+              <a:schemeClr val="dk1"/>
+            </a:lnRef>
+            <a:fillRef idx="0">
+              <a:schemeClr val="dk1"/>
+            </a:fillRef>
+            <a:effectRef idx="0">
+              <a:schemeClr val="dk1"/>
+            </a:effectRef>
+            <a:fontRef idx="minor">
+              <a:schemeClr val="tx1"/>
+            </a:fontRef>
+          </p:style>
+        </p:cxnSp>
+      </p:grpSp>
     </p:spTree>
     <p:extLst>
       <p:ext uri="{BB962C8B-B14F-4D97-AF65-F5344CB8AC3E}">
